--- a/ux/ux-grupparbete/RoFaJo.pptx
+++ b/ux/ux-grupparbete/RoFaJo.pptx
@@ -5,7 +5,7 @@
     <p:sldMasterId id="2147483648" r:id="rId1"/>
   </p:sldMasterIdLst>
   <p:notesMasterIdLst>
-    <p:notesMasterId r:id="rId11"/>
+    <p:notesMasterId r:id="rId12"/>
   </p:notesMasterIdLst>
   <p:sldIdLst>
     <p:sldId id="257" r:id="rId2"/>
@@ -17,6 +17,7 @@
     <p:sldId id="264" r:id="rId8"/>
     <p:sldId id="265" r:id="rId9"/>
     <p:sldId id="266" r:id="rId10"/>
+    <p:sldId id="267" r:id="rId11"/>
   </p:sldIdLst>
   <p:sldSz cx="9144000" cy="6858000" type="screen4x3"/>
   <p:notesSz cx="6858000" cy="9144000"/>
@@ -115,7 +116,115 @@
       </a:defRPr>
     </a:lvl9pPr>
   </p:defaultTextStyle>
+  <p:extLst>
+    <p:ext uri="{EFAFB233-063F-42B5-8137-9DF3F51BA10A}">
+      <p15:sldGuideLst xmlns:p15="http://schemas.microsoft.com/office/powerpoint/2012/main">
+        <p15:guide id="1" orient="horz" pos="2160">
+          <p15:clr>
+            <a:srgbClr val="A4A3A4"/>
+          </p15:clr>
+        </p15:guide>
+        <p15:guide id="2" pos="2880">
+          <p15:clr>
+            <a:srgbClr val="A4A3A4"/>
+          </p15:clr>
+        </p15:guide>
+      </p15:sldGuideLst>
+    </p:ext>
+  </p:extLst>
 </p:presentation>
+</file>
+
+<file path=ppt/changesInfos/changesInfo1.xml><?xml version="1.0" encoding="utf-8"?>
+<pc:chgInfo xmlns:a="http://schemas.openxmlformats.org/drawingml/2006/main" xmlns:r="http://schemas.openxmlformats.org/officeDocument/2006/relationships" xmlns:ac="http://schemas.microsoft.com/office/drawing/2013/main/command" xmlns:pc="http://schemas.microsoft.com/office/powerpoint/2013/main/command">
+  <pc:docChgLst>
+    <pc:chgData userId="bd24b34f8c1f68e3" providerId="LiveId" clId="{9BE58738-0E43-4001-AA49-380A83310E07}"/>
+    <pc:docChg chg="custSel addSld modSld">
+      <pc:chgData name="" userId="bd24b34f8c1f68e3" providerId="LiveId" clId="{9BE58738-0E43-4001-AA49-380A83310E07}" dt="2017-12-18T19:50:31.101" v="31" actId="113"/>
+      <pc:docMkLst>
+        <pc:docMk/>
+      </pc:docMkLst>
+      <pc:sldChg chg="modSp">
+        <pc:chgData name="" userId="bd24b34f8c1f68e3" providerId="LiveId" clId="{9BE58738-0E43-4001-AA49-380A83310E07}" dt="2017-12-18T19:45:10.163" v="22" actId="1076"/>
+        <pc:sldMkLst>
+          <pc:docMk/>
+          <pc:sldMk cId="0" sldId="262"/>
+        </pc:sldMkLst>
+        <pc:graphicFrameChg chg="mod">
+          <ac:chgData name="" userId="bd24b34f8c1f68e3" providerId="LiveId" clId="{9BE58738-0E43-4001-AA49-380A83310E07}" dt="2017-12-18T19:45:10.163" v="22" actId="1076"/>
+          <ac:graphicFrameMkLst>
+            <pc:docMk/>
+            <pc:sldMk cId="0" sldId="262"/>
+            <ac:graphicFrameMk id="4" creationId="{00000000-0000-0000-0000-000000000000}"/>
+          </ac:graphicFrameMkLst>
+        </pc:graphicFrameChg>
+      </pc:sldChg>
+      <pc:sldChg chg="addSp delSp modSp add">
+        <pc:chgData name="" userId="bd24b34f8c1f68e3" providerId="LiveId" clId="{9BE58738-0E43-4001-AA49-380A83310E07}" dt="2017-12-18T19:50:31.101" v="31" actId="113"/>
+        <pc:sldMkLst>
+          <pc:docMk/>
+          <pc:sldMk cId="1748070931" sldId="267"/>
+        </pc:sldMkLst>
+        <pc:spChg chg="mod">
+          <ac:chgData name="" userId="bd24b34f8c1f68e3" providerId="LiveId" clId="{9BE58738-0E43-4001-AA49-380A83310E07}" dt="2017-12-18T19:50:31.101" v="31" actId="113"/>
+          <ac:spMkLst>
+            <pc:docMk/>
+            <pc:sldMk cId="1748070931" sldId="267"/>
+            <ac:spMk id="2" creationId="{DF45CDFE-AB86-4345-9ABA-B1C70F66903E}"/>
+          </ac:spMkLst>
+        </pc:spChg>
+        <pc:spChg chg="del">
+          <ac:chgData name="" userId="bd24b34f8c1f68e3" providerId="LiveId" clId="{9BE58738-0E43-4001-AA49-380A83310E07}" dt="2017-12-18T19:42:45.144" v="17" actId="1076"/>
+          <ac:spMkLst>
+            <pc:docMk/>
+            <pc:sldMk cId="1748070931" sldId="267"/>
+            <ac:spMk id="3" creationId="{F8823642-2555-4188-9E94-0EDC5070040A}"/>
+          </ac:spMkLst>
+        </pc:spChg>
+        <pc:spChg chg="add del mod">
+          <ac:chgData name="" userId="bd24b34f8c1f68e3" providerId="LiveId" clId="{9BE58738-0E43-4001-AA49-380A83310E07}" dt="2017-12-18T19:49:05.149" v="25" actId="1076"/>
+          <ac:spMkLst>
+            <pc:docMk/>
+            <pc:sldMk cId="1748070931" sldId="267"/>
+            <ac:spMk id="6" creationId="{4FC60FCD-4C43-4DFE-85EE-FE1E87096419}"/>
+          </ac:spMkLst>
+        </pc:spChg>
+        <pc:spChg chg="add del mod">
+          <ac:chgData name="" userId="bd24b34f8c1f68e3" providerId="LiveId" clId="{9BE58738-0E43-4001-AA49-380A83310E07}" dt="2017-12-18T19:49:10.251" v="28" actId="478"/>
+          <ac:spMkLst>
+            <pc:docMk/>
+            <pc:sldMk cId="1748070931" sldId="267"/>
+            <ac:spMk id="10" creationId="{7ADECE0B-B58F-49AE-B093-E548AE3FDCBA}"/>
+          </ac:spMkLst>
+        </pc:spChg>
+        <pc:picChg chg="add del mod">
+          <ac:chgData name="" userId="bd24b34f8c1f68e3" providerId="LiveId" clId="{9BE58738-0E43-4001-AA49-380A83310E07}" dt="2017-12-18T19:49:00.120" v="23" actId="478"/>
+          <ac:picMkLst>
+            <pc:docMk/>
+            <pc:sldMk cId="1748070931" sldId="267"/>
+            <ac:picMk id="4" creationId="{9944E98E-0339-4DF3-8B41-6D5E54BFEB2E}"/>
+          </ac:picMkLst>
+        </pc:picChg>
+        <pc:picChg chg="add mod">
+          <ac:chgData name="" userId="bd24b34f8c1f68e3" providerId="LiveId" clId="{9BE58738-0E43-4001-AA49-380A83310E07}" dt="2017-12-18T19:49:19.891" v="29" actId="1076"/>
+          <ac:picMkLst>
+            <pc:docMk/>
+            <pc:sldMk cId="1748070931" sldId="267"/>
+            <ac:picMk id="7" creationId="{1A91AF18-0057-4777-8BFF-6265686A1254}"/>
+          </ac:picMkLst>
+        </pc:picChg>
+        <pc:picChg chg="add del mod">
+          <ac:chgData name="" userId="bd24b34f8c1f68e3" providerId="LiveId" clId="{9BE58738-0E43-4001-AA49-380A83310E07}" dt="2017-12-18T19:49:08.151" v="27" actId="478"/>
+          <ac:picMkLst>
+            <pc:docMk/>
+            <pc:sldMk cId="1748070931" sldId="267"/>
+            <ac:picMk id="8" creationId="{BEA8769D-D661-40AE-8B3F-2B5C07995931}"/>
+          </ac:picMkLst>
+        </pc:picChg>
+      </pc:sldChg>
+    </pc:docChg>
+  </pc:docChgLst>
+</pc:chgInfo>
 </file>
 
 <file path=ppt/notesMasters/notesMaster1.xml><?xml version="1.0" encoding="utf-8"?>
@@ -266,38 +375,37 @@
           <a:p>
             <a:pPr lvl="0"/>
             <a:r>
-              <a:rPr lang="en-US" smtClean="0"/>
+              <a:rPr lang="en-US"/>
               <a:t>Click to edit Master text styles</a:t>
             </a:r>
           </a:p>
           <a:p>
             <a:pPr lvl="1"/>
             <a:r>
-              <a:rPr lang="en-US" smtClean="0"/>
+              <a:rPr lang="en-US"/>
               <a:t>Second level</a:t>
             </a:r>
           </a:p>
           <a:p>
             <a:pPr lvl="2"/>
             <a:r>
-              <a:rPr lang="en-US" smtClean="0"/>
+              <a:rPr lang="en-US"/>
               <a:t>Third level</a:t>
             </a:r>
           </a:p>
           <a:p>
             <a:pPr lvl="3"/>
             <a:r>
-              <a:rPr lang="en-US" smtClean="0"/>
+              <a:rPr lang="en-US"/>
               <a:t>Fourth level</a:t>
             </a:r>
           </a:p>
           <a:p>
             <a:pPr lvl="4"/>
             <a:r>
-              <a:rPr lang="en-US" smtClean="0"/>
+              <a:rPr lang="en-US"/>
               <a:t>Fifth level</a:t>
             </a:r>
-            <a:endParaRPr lang="en-US"/>
           </a:p>
         </p:txBody>
       </p:sp>
@@ -746,10 +854,9 @@
           <a:lstStyle/>
           <a:p>
             <a:r>
-              <a:rPr lang="en-US" smtClean="0"/>
+              <a:rPr lang="en-US"/>
               <a:t>Click to edit Master title style</a:t>
             </a:r>
-            <a:endParaRPr lang="en-US"/>
           </a:p>
         </p:txBody>
       </p:sp>
@@ -865,10 +972,9 @@
           </a:lstStyle>
           <a:p>
             <a:r>
-              <a:rPr lang="en-US" smtClean="0"/>
+              <a:rPr lang="en-US"/>
               <a:t>Click to edit Master subtitle style</a:t>
             </a:r>
-            <a:endParaRPr lang="en-US"/>
           </a:p>
         </p:txBody>
       </p:sp>
@@ -978,10 +1084,9 @@
           <a:lstStyle/>
           <a:p>
             <a:r>
-              <a:rPr lang="en-US" smtClean="0"/>
+              <a:rPr lang="en-US"/>
               <a:t>Click to edit Master title style</a:t>
             </a:r>
-            <a:endParaRPr lang="en-US"/>
           </a:p>
         </p:txBody>
       </p:sp>
@@ -1002,38 +1107,37 @@
           <a:p>
             <a:pPr lvl="0"/>
             <a:r>
-              <a:rPr lang="en-US" smtClean="0"/>
+              <a:rPr lang="en-US"/>
               <a:t>Click to edit Master text styles</a:t>
             </a:r>
           </a:p>
           <a:p>
             <a:pPr lvl="1"/>
             <a:r>
-              <a:rPr lang="en-US" smtClean="0"/>
+              <a:rPr lang="en-US"/>
               <a:t>Second level</a:t>
             </a:r>
           </a:p>
           <a:p>
             <a:pPr lvl="2"/>
             <a:r>
-              <a:rPr lang="en-US" smtClean="0"/>
+              <a:rPr lang="en-US"/>
               <a:t>Third level</a:t>
             </a:r>
           </a:p>
           <a:p>
             <a:pPr lvl="3"/>
             <a:r>
-              <a:rPr lang="en-US" smtClean="0"/>
+              <a:rPr lang="en-US"/>
               <a:t>Fourth level</a:t>
             </a:r>
           </a:p>
           <a:p>
             <a:pPr lvl="4"/>
             <a:r>
-              <a:rPr lang="en-US" smtClean="0"/>
+              <a:rPr lang="en-US"/>
               <a:t>Fifth level</a:t>
             </a:r>
-            <a:endParaRPr lang="en-US"/>
           </a:p>
         </p:txBody>
       </p:sp>
@@ -1148,10 +1252,9 @@
           <a:lstStyle/>
           <a:p>
             <a:r>
-              <a:rPr lang="en-US" smtClean="0"/>
+              <a:rPr lang="en-US"/>
               <a:t>Click to edit Master title style</a:t>
             </a:r>
-            <a:endParaRPr lang="en-US"/>
           </a:p>
         </p:txBody>
       </p:sp>
@@ -1177,38 +1280,37 @@
           <a:p>
             <a:pPr lvl="0"/>
             <a:r>
-              <a:rPr lang="en-US" smtClean="0"/>
+              <a:rPr lang="en-US"/>
               <a:t>Click to edit Master text styles</a:t>
             </a:r>
           </a:p>
           <a:p>
             <a:pPr lvl="1"/>
             <a:r>
-              <a:rPr lang="en-US" smtClean="0"/>
+              <a:rPr lang="en-US"/>
               <a:t>Second level</a:t>
             </a:r>
           </a:p>
           <a:p>
             <a:pPr lvl="2"/>
             <a:r>
-              <a:rPr lang="en-US" smtClean="0"/>
+              <a:rPr lang="en-US"/>
               <a:t>Third level</a:t>
             </a:r>
           </a:p>
           <a:p>
             <a:pPr lvl="3"/>
             <a:r>
-              <a:rPr lang="en-US" smtClean="0"/>
+              <a:rPr lang="en-US"/>
               <a:t>Fourth level</a:t>
             </a:r>
           </a:p>
           <a:p>
             <a:pPr lvl="4"/>
             <a:r>
-              <a:rPr lang="en-US" smtClean="0"/>
+              <a:rPr lang="en-US"/>
               <a:t>Fifth level</a:t>
             </a:r>
-            <a:endParaRPr lang="en-US"/>
           </a:p>
         </p:txBody>
       </p:sp>
@@ -1318,10 +1420,9 @@
           <a:lstStyle/>
           <a:p>
             <a:r>
-              <a:rPr lang="en-US" smtClean="0"/>
+              <a:rPr lang="en-US"/>
               <a:t>Click to edit Master title style</a:t>
             </a:r>
-            <a:endParaRPr lang="en-US"/>
           </a:p>
         </p:txBody>
       </p:sp>
@@ -1342,38 +1443,37 @@
           <a:p>
             <a:pPr lvl="0"/>
             <a:r>
-              <a:rPr lang="en-US" smtClean="0"/>
+              <a:rPr lang="en-US"/>
               <a:t>Click to edit Master text styles</a:t>
             </a:r>
           </a:p>
           <a:p>
             <a:pPr lvl="1"/>
             <a:r>
-              <a:rPr lang="en-US" smtClean="0"/>
+              <a:rPr lang="en-US"/>
               <a:t>Second level</a:t>
             </a:r>
           </a:p>
           <a:p>
             <a:pPr lvl="2"/>
             <a:r>
-              <a:rPr lang="en-US" smtClean="0"/>
+              <a:rPr lang="en-US"/>
               <a:t>Third level</a:t>
             </a:r>
           </a:p>
           <a:p>
             <a:pPr lvl="3"/>
             <a:r>
-              <a:rPr lang="en-US" smtClean="0"/>
+              <a:rPr lang="en-US"/>
               <a:t>Fourth level</a:t>
             </a:r>
           </a:p>
           <a:p>
             <a:pPr lvl="4"/>
             <a:r>
-              <a:rPr lang="en-US" smtClean="0"/>
+              <a:rPr lang="en-US"/>
               <a:t>Fifth level</a:t>
             </a:r>
-            <a:endParaRPr lang="en-US"/>
           </a:p>
         </p:txBody>
       </p:sp>
@@ -1492,10 +1592,9 @@
           </a:lstStyle>
           <a:p>
             <a:r>
-              <a:rPr lang="en-US" smtClean="0"/>
+              <a:rPr lang="en-US"/>
               <a:t>Click to edit Master title style</a:t>
             </a:r>
-            <a:endParaRPr lang="en-US"/>
           </a:p>
         </p:txBody>
       </p:sp>
@@ -1612,7 +1711,7 @@
           <a:p>
             <a:pPr lvl="0"/>
             <a:r>
-              <a:rPr lang="en-US" smtClean="0"/>
+              <a:rPr lang="en-US"/>
               <a:t>Click to edit Master text styles</a:t>
             </a:r>
           </a:p>
@@ -1724,10 +1823,9 @@
           <a:lstStyle/>
           <a:p>
             <a:r>
-              <a:rPr lang="en-US" smtClean="0"/>
+              <a:rPr lang="en-US"/>
               <a:t>Click to edit Master title style</a:t>
             </a:r>
-            <a:endParaRPr lang="en-US"/>
           </a:p>
         </p:txBody>
       </p:sp>
@@ -1781,38 +1879,37 @@
           <a:p>
             <a:pPr lvl="0"/>
             <a:r>
-              <a:rPr lang="en-US" smtClean="0"/>
+              <a:rPr lang="en-US"/>
               <a:t>Click to edit Master text styles</a:t>
             </a:r>
           </a:p>
           <a:p>
             <a:pPr lvl="1"/>
             <a:r>
-              <a:rPr lang="en-US" smtClean="0"/>
+              <a:rPr lang="en-US"/>
               <a:t>Second level</a:t>
             </a:r>
           </a:p>
           <a:p>
             <a:pPr lvl="2"/>
             <a:r>
-              <a:rPr lang="en-US" smtClean="0"/>
+              <a:rPr lang="en-US"/>
               <a:t>Third level</a:t>
             </a:r>
           </a:p>
           <a:p>
             <a:pPr lvl="3"/>
             <a:r>
-              <a:rPr lang="en-US" smtClean="0"/>
+              <a:rPr lang="en-US"/>
               <a:t>Fourth level</a:t>
             </a:r>
           </a:p>
           <a:p>
             <a:pPr lvl="4"/>
             <a:r>
-              <a:rPr lang="en-US" smtClean="0"/>
+              <a:rPr lang="en-US"/>
               <a:t>Fifth level</a:t>
             </a:r>
-            <a:endParaRPr lang="en-US"/>
           </a:p>
         </p:txBody>
       </p:sp>
@@ -1866,38 +1963,37 @@
           <a:p>
             <a:pPr lvl="0"/>
             <a:r>
-              <a:rPr lang="en-US" smtClean="0"/>
+              <a:rPr lang="en-US"/>
               <a:t>Click to edit Master text styles</a:t>
             </a:r>
           </a:p>
           <a:p>
             <a:pPr lvl="1"/>
             <a:r>
-              <a:rPr lang="en-US" smtClean="0"/>
+              <a:rPr lang="en-US"/>
               <a:t>Second level</a:t>
             </a:r>
           </a:p>
           <a:p>
             <a:pPr lvl="2"/>
             <a:r>
-              <a:rPr lang="en-US" smtClean="0"/>
+              <a:rPr lang="en-US"/>
               <a:t>Third level</a:t>
             </a:r>
           </a:p>
           <a:p>
             <a:pPr lvl="3"/>
             <a:r>
-              <a:rPr lang="en-US" smtClean="0"/>
+              <a:rPr lang="en-US"/>
               <a:t>Fourth level</a:t>
             </a:r>
           </a:p>
           <a:p>
             <a:pPr lvl="4"/>
             <a:r>
-              <a:rPr lang="en-US" smtClean="0"/>
+              <a:rPr lang="en-US"/>
               <a:t>Fifth level</a:t>
             </a:r>
-            <a:endParaRPr lang="en-US"/>
           </a:p>
         </p:txBody>
       </p:sp>
@@ -2011,10 +2107,9 @@
           </a:lstStyle>
           <a:p>
             <a:r>
-              <a:rPr lang="en-US" smtClean="0"/>
+              <a:rPr lang="en-US"/>
               <a:t>Click to edit Master title style</a:t>
             </a:r>
-            <a:endParaRPr lang="en-US"/>
           </a:p>
         </p:txBody>
       </p:sp>
@@ -2077,7 +2172,7 @@
           <a:p>
             <a:pPr lvl="0"/>
             <a:r>
-              <a:rPr lang="en-US" smtClean="0"/>
+              <a:rPr lang="en-US"/>
               <a:t>Click to edit Master text styles</a:t>
             </a:r>
           </a:p>
@@ -2133,38 +2228,37 @@
           <a:p>
             <a:pPr lvl="0"/>
             <a:r>
-              <a:rPr lang="en-US" smtClean="0"/>
+              <a:rPr lang="en-US"/>
               <a:t>Click to edit Master text styles</a:t>
             </a:r>
           </a:p>
           <a:p>
             <a:pPr lvl="1"/>
             <a:r>
-              <a:rPr lang="en-US" smtClean="0"/>
+              <a:rPr lang="en-US"/>
               <a:t>Second level</a:t>
             </a:r>
           </a:p>
           <a:p>
             <a:pPr lvl="2"/>
             <a:r>
-              <a:rPr lang="en-US" smtClean="0"/>
+              <a:rPr lang="en-US"/>
               <a:t>Third level</a:t>
             </a:r>
           </a:p>
           <a:p>
             <a:pPr lvl="3"/>
             <a:r>
-              <a:rPr lang="en-US" smtClean="0"/>
+              <a:rPr lang="en-US"/>
               <a:t>Fourth level</a:t>
             </a:r>
           </a:p>
           <a:p>
             <a:pPr lvl="4"/>
             <a:r>
-              <a:rPr lang="en-US" smtClean="0"/>
+              <a:rPr lang="en-US"/>
               <a:t>Fifth level</a:t>
             </a:r>
-            <a:endParaRPr lang="en-US"/>
           </a:p>
         </p:txBody>
       </p:sp>
@@ -2227,7 +2321,7 @@
           <a:p>
             <a:pPr lvl="0"/>
             <a:r>
-              <a:rPr lang="en-US" smtClean="0"/>
+              <a:rPr lang="en-US"/>
               <a:t>Click to edit Master text styles</a:t>
             </a:r>
           </a:p>
@@ -2283,38 +2377,37 @@
           <a:p>
             <a:pPr lvl="0"/>
             <a:r>
-              <a:rPr lang="en-US" smtClean="0"/>
+              <a:rPr lang="en-US"/>
               <a:t>Click to edit Master text styles</a:t>
             </a:r>
           </a:p>
           <a:p>
             <a:pPr lvl="1"/>
             <a:r>
-              <a:rPr lang="en-US" smtClean="0"/>
+              <a:rPr lang="en-US"/>
               <a:t>Second level</a:t>
             </a:r>
           </a:p>
           <a:p>
             <a:pPr lvl="2"/>
             <a:r>
-              <a:rPr lang="en-US" smtClean="0"/>
+              <a:rPr lang="en-US"/>
               <a:t>Third level</a:t>
             </a:r>
           </a:p>
           <a:p>
             <a:pPr lvl="3"/>
             <a:r>
-              <a:rPr lang="en-US" smtClean="0"/>
+              <a:rPr lang="en-US"/>
               <a:t>Fourth level</a:t>
             </a:r>
           </a:p>
           <a:p>
             <a:pPr lvl="4"/>
             <a:r>
-              <a:rPr lang="en-US" smtClean="0"/>
+              <a:rPr lang="en-US"/>
               <a:t>Fifth level</a:t>
             </a:r>
-            <a:endParaRPr lang="en-US"/>
           </a:p>
         </p:txBody>
       </p:sp>
@@ -2424,10 +2517,9 @@
           <a:lstStyle/>
           <a:p>
             <a:r>
-              <a:rPr lang="en-US" smtClean="0"/>
+              <a:rPr lang="en-US"/>
               <a:t>Click to edit Master title style</a:t>
             </a:r>
-            <a:endParaRPr lang="en-US"/>
           </a:p>
         </p:txBody>
       </p:sp>
@@ -2636,10 +2728,9 @@
           </a:lstStyle>
           <a:p>
             <a:r>
-              <a:rPr lang="en-US" smtClean="0"/>
+              <a:rPr lang="en-US"/>
               <a:t>Click to edit Master title style</a:t>
             </a:r>
-            <a:endParaRPr lang="en-US"/>
           </a:p>
         </p:txBody>
       </p:sp>
@@ -2693,38 +2784,37 @@
           <a:p>
             <a:pPr lvl="0"/>
             <a:r>
-              <a:rPr lang="en-US" smtClean="0"/>
+              <a:rPr lang="en-US"/>
               <a:t>Click to edit Master text styles</a:t>
             </a:r>
           </a:p>
           <a:p>
             <a:pPr lvl="1"/>
             <a:r>
-              <a:rPr lang="en-US" smtClean="0"/>
+              <a:rPr lang="en-US"/>
               <a:t>Second level</a:t>
             </a:r>
           </a:p>
           <a:p>
             <a:pPr lvl="2"/>
             <a:r>
-              <a:rPr lang="en-US" smtClean="0"/>
+              <a:rPr lang="en-US"/>
               <a:t>Third level</a:t>
             </a:r>
           </a:p>
           <a:p>
             <a:pPr lvl="3"/>
             <a:r>
-              <a:rPr lang="en-US" smtClean="0"/>
+              <a:rPr lang="en-US"/>
               <a:t>Fourth level</a:t>
             </a:r>
           </a:p>
           <a:p>
             <a:pPr lvl="4"/>
             <a:r>
-              <a:rPr lang="en-US" smtClean="0"/>
+              <a:rPr lang="en-US"/>
               <a:t>Fifth level</a:t>
             </a:r>
-            <a:endParaRPr lang="en-US"/>
           </a:p>
         </p:txBody>
       </p:sp>
@@ -2787,7 +2877,7 @@
           <a:p>
             <a:pPr lvl="0"/>
             <a:r>
-              <a:rPr lang="en-US" smtClean="0"/>
+              <a:rPr lang="en-US"/>
               <a:t>Click to edit Master text styles</a:t>
             </a:r>
           </a:p>
@@ -2908,10 +2998,9 @@
           </a:lstStyle>
           <a:p>
             <a:r>
-              <a:rPr lang="en-US" smtClean="0"/>
+              <a:rPr lang="en-US"/>
               <a:t>Click to edit Master title style</a:t>
             </a:r>
-            <a:endParaRPr lang="en-US"/>
           </a:p>
         </p:txBody>
       </p:sp>
@@ -3035,7 +3124,7 @@
           <a:p>
             <a:pPr lvl="0"/>
             <a:r>
-              <a:rPr lang="en-US" smtClean="0"/>
+              <a:rPr lang="en-US"/>
               <a:t>Click to edit Master text styles</a:t>
             </a:r>
           </a:p>
@@ -3162,10 +3251,9 @@
           <a:lstStyle/>
           <a:p>
             <a:r>
-              <a:rPr lang="en-US" smtClean="0"/>
+              <a:rPr lang="en-US"/>
               <a:t>Click to edit Master title style</a:t>
             </a:r>
-            <a:endParaRPr lang="en-US"/>
           </a:p>
         </p:txBody>
       </p:sp>
@@ -3196,38 +3284,37 @@
           <a:p>
             <a:pPr lvl="0"/>
             <a:r>
-              <a:rPr lang="en-US" smtClean="0"/>
+              <a:rPr lang="en-US"/>
               <a:t>Click to edit Master text styles</a:t>
             </a:r>
           </a:p>
           <a:p>
             <a:pPr lvl="1"/>
             <a:r>
-              <a:rPr lang="en-US" smtClean="0"/>
+              <a:rPr lang="en-US"/>
               <a:t>Second level</a:t>
             </a:r>
           </a:p>
           <a:p>
             <a:pPr lvl="2"/>
             <a:r>
-              <a:rPr lang="en-US" smtClean="0"/>
+              <a:rPr lang="en-US"/>
               <a:t>Third level</a:t>
             </a:r>
           </a:p>
           <a:p>
             <a:pPr lvl="3"/>
             <a:r>
-              <a:rPr lang="en-US" smtClean="0"/>
+              <a:rPr lang="en-US"/>
               <a:t>Fourth level</a:t>
             </a:r>
           </a:p>
           <a:p>
             <a:pPr lvl="4"/>
             <a:r>
-              <a:rPr lang="en-US" smtClean="0"/>
+              <a:rPr lang="en-US"/>
               <a:t>Fifth level</a:t>
             </a:r>
-            <a:endParaRPr lang="en-US"/>
           </a:p>
         </p:txBody>
       </p:sp>
@@ -3654,7 +3741,7 @@
           <a:lstStyle/>
           <a:p>
             <a:r>
-              <a:rPr lang="da-DK" b="1" dirty="0" smtClean="0"/>
+              <a:rPr lang="da-DK" b="1" dirty="0"/>
               <a:t>Flödesdiagram</a:t>
             </a:r>
             <a:endParaRPr lang="en-US" dirty="0"/>
@@ -3692,6 +3779,94 @@
         </p:spPr>
       </p:pic>
     </p:spTree>
+  </p:cSld>
+  <p:clrMapOvr>
+    <a:masterClrMapping/>
+  </p:clrMapOvr>
+</p:sld>
+</file>
+
+<file path=ppt/slides/slide10.xml><?xml version="1.0" encoding="utf-8"?>
+<p:sld xmlns:a="http://schemas.openxmlformats.org/drawingml/2006/main" xmlns:r="http://schemas.openxmlformats.org/officeDocument/2006/relationships" xmlns:p="http://schemas.openxmlformats.org/presentationml/2006/main">
+  <p:cSld>
+    <p:spTree>
+      <p:nvGrpSpPr>
+        <p:cNvPr id="1" name=""/>
+        <p:cNvGrpSpPr/>
+        <p:nvPr/>
+      </p:nvGrpSpPr>
+      <p:grpSpPr>
+        <a:xfrm>
+          <a:off x="0" y="0"/>
+          <a:ext cx="0" cy="0"/>
+          <a:chOff x="0" y="0"/>
+          <a:chExt cx="0" cy="0"/>
+        </a:xfrm>
+      </p:grpSpPr>
+      <p:sp>
+        <p:nvSpPr>
+          <p:cNvPr id="2" name="Rubrik 1">
+            <a:extLst>
+              <a:ext uri="{FF2B5EF4-FFF2-40B4-BE49-F238E27FC236}">
+                <a16:creationId xmlns:a16="http://schemas.microsoft.com/office/drawing/2014/main" id="{DF45CDFE-AB86-4345-9ABA-B1C70F66903E}"/>
+              </a:ext>
+            </a:extLst>
+          </p:cNvPr>
+          <p:cNvSpPr>
+            <a:spLocks noGrp="1"/>
+          </p:cNvSpPr>
+          <p:nvPr>
+            <p:ph type="title"/>
+          </p:nvPr>
+        </p:nvSpPr>
+        <p:spPr/>
+        <p:txBody>
+          <a:bodyPr/>
+          <a:lstStyle/>
+          <a:p>
+            <a:r>
+              <a:rPr lang="sv-SE" b="1" dirty="0"/>
+              <a:t>Prestandabudget</a:t>
+            </a:r>
+          </a:p>
+        </p:txBody>
+      </p:sp>
+      <p:pic>
+        <p:nvPicPr>
+          <p:cNvPr id="7" name="Bildobjekt 6">
+            <a:extLst>
+              <a:ext uri="{FF2B5EF4-FFF2-40B4-BE49-F238E27FC236}">
+                <a16:creationId xmlns:a16="http://schemas.microsoft.com/office/drawing/2014/main" id="{1A91AF18-0057-4777-8BFF-6265686A1254}"/>
+              </a:ext>
+            </a:extLst>
+          </p:cNvPr>
+          <p:cNvPicPr>
+            <a:picLocks noChangeAspect="1"/>
+          </p:cNvPicPr>
+          <p:nvPr/>
+        </p:nvPicPr>
+        <p:blipFill>
+          <a:blip r:embed="rId2"/>
+          <a:stretch>
+            <a:fillRect/>
+          </a:stretch>
+        </p:blipFill>
+        <p:spPr>
+          <a:xfrm>
+            <a:off x="1924050" y="2852936"/>
+            <a:ext cx="5295900" cy="1152525"/>
+          </a:xfrm>
+          <a:prstGeom prst="rect">
+            <a:avLst/>
+          </a:prstGeom>
+        </p:spPr>
+      </p:pic>
+    </p:spTree>
+    <p:extLst>
+      <p:ext uri="{BB962C8B-B14F-4D97-AF65-F5344CB8AC3E}">
+        <p14:creationId xmlns:p14="http://schemas.microsoft.com/office/powerpoint/2010/main" val="1748070931"/>
+      </p:ext>
+    </p:extLst>
   </p:cSld>
   <p:clrMapOvr>
     <a:masterClrMapping/>
@@ -6796,10 +6971,16 @@
           <p:cNvGraphicFramePr>
             <a:graphicFrameLocks noGrp="1"/>
           </p:cNvGraphicFramePr>
-          <p:nvPr/>
+          <p:nvPr>
+            <p:extLst>
+              <p:ext uri="{D42A27DB-BD31-4B8C-83A1-F6EECF244321}">
+                <p14:modId xmlns:p14="http://schemas.microsoft.com/office/powerpoint/2010/main" val="1440796530"/>
+              </p:ext>
+            </p:extLst>
+          </p:nvPr>
         </p:nvGraphicFramePr>
         <p:xfrm>
-          <a:off x="1847180" y="1556792"/>
+          <a:off x="1847180" y="1579421"/>
           <a:ext cx="5245100" cy="2348484"/>
         </p:xfrm>
         <a:graphic>
@@ -6807,10 +6988,34 @@
             <a:tbl>
               <a:tblPr/>
               <a:tblGrid>
-                <a:gridCol w="1598930"/>
-                <a:gridCol w="1890395"/>
-                <a:gridCol w="1071245"/>
-                <a:gridCol w="684530"/>
+                <a:gridCol w="1598930">
+                  <a:extLst>
+                    <a:ext uri="{9D8B030D-6E8A-4147-A177-3AD203B41FA5}">
+                      <a16:colId xmlns:a16="http://schemas.microsoft.com/office/drawing/2014/main" val="20000"/>
+                    </a:ext>
+                  </a:extLst>
+                </a:gridCol>
+                <a:gridCol w="1890395">
+                  <a:extLst>
+                    <a:ext uri="{9D8B030D-6E8A-4147-A177-3AD203B41FA5}">
+                      <a16:colId xmlns:a16="http://schemas.microsoft.com/office/drawing/2014/main" val="20001"/>
+                    </a:ext>
+                  </a:extLst>
+                </a:gridCol>
+                <a:gridCol w="1071245">
+                  <a:extLst>
+                    <a:ext uri="{9D8B030D-6E8A-4147-A177-3AD203B41FA5}">
+                      <a16:colId xmlns:a16="http://schemas.microsoft.com/office/drawing/2014/main" val="20002"/>
+                    </a:ext>
+                  </a:extLst>
+                </a:gridCol>
+                <a:gridCol w="684530">
+                  <a:extLst>
+                    <a:ext uri="{9D8B030D-6E8A-4147-A177-3AD203B41FA5}">
+                      <a16:colId xmlns:a16="http://schemas.microsoft.com/office/drawing/2014/main" val="20003"/>
+                    </a:ext>
+                  </a:extLst>
+                </a:gridCol>
               </a:tblGrid>
               <a:tr h="0">
                 <a:tc>
@@ -7093,6 +7298,11 @@
                     </a:solidFill>
                   </a:tcPr>
                 </a:tc>
+                <a:extLst>
+                  <a:ext uri="{0D108BD9-81ED-4DB2-BD59-A6C34878D82A}">
+                    <a16:rowId xmlns:a16="http://schemas.microsoft.com/office/drawing/2014/main" val="10000"/>
+                  </a:ext>
+                </a:extLst>
               </a:tr>
               <a:tr h="0">
                 <a:tc>
@@ -7363,6 +7573,11 @@
                     </a:lnB>
                   </a:tcPr>
                 </a:tc>
+                <a:extLst>
+                  <a:ext uri="{0D108BD9-81ED-4DB2-BD59-A6C34878D82A}">
+                    <a16:rowId xmlns:a16="http://schemas.microsoft.com/office/drawing/2014/main" val="10001"/>
+                  </a:ext>
+                </a:extLst>
               </a:tr>
               <a:tr h="0">
                 <a:tc>
@@ -7633,6 +7848,11 @@
                     </a:lnB>
                   </a:tcPr>
                 </a:tc>
+                <a:extLst>
+                  <a:ext uri="{0D108BD9-81ED-4DB2-BD59-A6C34878D82A}">
+                    <a16:rowId xmlns:a16="http://schemas.microsoft.com/office/drawing/2014/main" val="10002"/>
+                  </a:ext>
+                </a:extLst>
               </a:tr>
               <a:tr h="0">
                 <a:tc>
@@ -7903,6 +8123,11 @@
                     </a:lnB>
                   </a:tcPr>
                 </a:tc>
+                <a:extLst>
+                  <a:ext uri="{0D108BD9-81ED-4DB2-BD59-A6C34878D82A}">
+                    <a16:rowId xmlns:a16="http://schemas.microsoft.com/office/drawing/2014/main" val="10003"/>
+                  </a:ext>
+                </a:extLst>
               </a:tr>
               <a:tr h="0">
                 <a:tc>
@@ -8173,6 +8398,11 @@
                     </a:lnB>
                   </a:tcPr>
                 </a:tc>
+                <a:extLst>
+                  <a:ext uri="{0D108BD9-81ED-4DB2-BD59-A6C34878D82A}">
+                    <a16:rowId xmlns:a16="http://schemas.microsoft.com/office/drawing/2014/main" val="10004"/>
+                  </a:ext>
+                </a:extLst>
               </a:tr>
               <a:tr h="0">
                 <a:tc>
@@ -8443,6 +8673,11 @@
                     </a:lnB>
                   </a:tcPr>
                 </a:tc>
+                <a:extLst>
+                  <a:ext uri="{0D108BD9-81ED-4DB2-BD59-A6C34878D82A}">
+                    <a16:rowId xmlns:a16="http://schemas.microsoft.com/office/drawing/2014/main" val="10005"/>
+                  </a:ext>
+                </a:extLst>
               </a:tr>
               <a:tr h="0">
                 <a:tc>
@@ -8713,6 +8948,11 @@
                     </a:lnB>
                   </a:tcPr>
                 </a:tc>
+                <a:extLst>
+                  <a:ext uri="{0D108BD9-81ED-4DB2-BD59-A6C34878D82A}">
+                    <a16:rowId xmlns:a16="http://schemas.microsoft.com/office/drawing/2014/main" val="10006"/>
+                  </a:ext>
+                </a:extLst>
               </a:tr>
               <a:tr h="0">
                 <a:tc>
@@ -8983,6 +9223,11 @@
                     </a:lnB>
                   </a:tcPr>
                 </a:tc>
+                <a:extLst>
+                  <a:ext uri="{0D108BD9-81ED-4DB2-BD59-A6C34878D82A}">
+                    <a16:rowId xmlns:a16="http://schemas.microsoft.com/office/drawing/2014/main" val="10007"/>
+                  </a:ext>
+                </a:extLst>
               </a:tr>
               <a:tr h="0">
                 <a:tc>
@@ -9253,6 +9498,11 @@
                     </a:lnB>
                   </a:tcPr>
                 </a:tc>
+                <a:extLst>
+                  <a:ext uri="{0D108BD9-81ED-4DB2-BD59-A6C34878D82A}">
+                    <a16:rowId xmlns:a16="http://schemas.microsoft.com/office/drawing/2014/main" val="10008"/>
+                  </a:ext>
+                </a:extLst>
               </a:tr>
               <a:tr h="0">
                 <a:tc>
@@ -9523,6 +9773,11 @@
                     </a:lnB>
                   </a:tcPr>
                 </a:tc>
+                <a:extLst>
+                  <a:ext uri="{0D108BD9-81ED-4DB2-BD59-A6C34878D82A}">
+                    <a16:rowId xmlns:a16="http://schemas.microsoft.com/office/drawing/2014/main" val="10009"/>
+                  </a:ext>
+                </a:extLst>
               </a:tr>
               <a:tr h="0">
                 <a:tc>
@@ -9793,6 +10048,11 @@
                     </a:lnB>
                   </a:tcPr>
                 </a:tc>
+                <a:extLst>
+                  <a:ext uri="{0D108BD9-81ED-4DB2-BD59-A6C34878D82A}">
+                    <a16:rowId xmlns:a16="http://schemas.microsoft.com/office/drawing/2014/main" val="10010"/>
+                  </a:ext>
+                </a:extLst>
               </a:tr>
               <a:tr h="0">
                 <a:tc>
@@ -10063,6 +10323,11 @@
                     </a:lnB>
                   </a:tcPr>
                 </a:tc>
+                <a:extLst>
+                  <a:ext uri="{0D108BD9-81ED-4DB2-BD59-A6C34878D82A}">
+                    <a16:rowId xmlns:a16="http://schemas.microsoft.com/office/drawing/2014/main" val="10011"/>
+                  </a:ext>
+                </a:extLst>
               </a:tr>
             </a:tbl>
           </a:graphicData>
@@ -10119,7 +10384,7 @@
               <a:tabLst/>
             </a:pPr>
             <a:r>
-              <a:rPr kumimoji="0" lang="sv-SE" sz="1200" b="0" i="0" u="none" strike="noStrike" cap="none" normalizeH="0" baseline="0" dirty="0" smtClean="0">
+              <a:rPr kumimoji="0" lang="sv-SE" sz="1200" b="0" i="0" u="none" strike="noStrike" cap="none" normalizeH="0" baseline="0" dirty="0">
                 <a:ln>
                   <a:noFill/>
                 </a:ln>
@@ -10133,7 +10398,7 @@
               </a:rPr>
               <a:t>index.html (desktop &amp; mobil – startsida)</a:t>
             </a:r>
-            <a:endParaRPr kumimoji="0" lang="en-US" sz="600" b="0" i="0" u="none" strike="noStrike" cap="none" normalizeH="0" baseline="0" dirty="0" smtClean="0">
+            <a:endParaRPr kumimoji="0" lang="en-US" sz="600" b="0" i="0" u="none" strike="noStrike" cap="none" normalizeH="0" baseline="0" dirty="0">
               <a:ln>
                 <a:noFill/>
               </a:ln>
@@ -10162,7 +10427,7 @@
               <a:buNone/>
               <a:tabLst/>
             </a:pPr>
-            <a:endParaRPr kumimoji="0" lang="en-US" sz="1800" b="0" i="0" u="none" strike="noStrike" cap="none" normalizeH="0" baseline="0" dirty="0" smtClean="0">
+            <a:endParaRPr kumimoji="0" lang="en-US" sz="1800" b="0" i="0" u="none" strike="noStrike" cap="none" normalizeH="0" baseline="0" dirty="0">
               <a:ln>
                 <a:noFill/>
               </a:ln>
@@ -10193,10 +10458,34 @@
             <a:tbl>
               <a:tblPr/>
               <a:tblGrid>
-                <a:gridCol w="1779270"/>
-                <a:gridCol w="1710055"/>
-                <a:gridCol w="1071245"/>
-                <a:gridCol w="684530"/>
+                <a:gridCol w="1779270">
+                  <a:extLst>
+                    <a:ext uri="{9D8B030D-6E8A-4147-A177-3AD203B41FA5}">
+                      <a16:colId xmlns:a16="http://schemas.microsoft.com/office/drawing/2014/main" val="20000"/>
+                    </a:ext>
+                  </a:extLst>
+                </a:gridCol>
+                <a:gridCol w="1710055">
+                  <a:extLst>
+                    <a:ext uri="{9D8B030D-6E8A-4147-A177-3AD203B41FA5}">
+                      <a16:colId xmlns:a16="http://schemas.microsoft.com/office/drawing/2014/main" val="20001"/>
+                    </a:ext>
+                  </a:extLst>
+                </a:gridCol>
+                <a:gridCol w="1071245">
+                  <a:extLst>
+                    <a:ext uri="{9D8B030D-6E8A-4147-A177-3AD203B41FA5}">
+                      <a16:colId xmlns:a16="http://schemas.microsoft.com/office/drawing/2014/main" val="20002"/>
+                    </a:ext>
+                  </a:extLst>
+                </a:gridCol>
+                <a:gridCol w="684530">
+                  <a:extLst>
+                    <a:ext uri="{9D8B030D-6E8A-4147-A177-3AD203B41FA5}">
+                      <a16:colId xmlns:a16="http://schemas.microsoft.com/office/drawing/2014/main" val="20003"/>
+                    </a:ext>
+                  </a:extLst>
+                </a:gridCol>
               </a:tblGrid>
               <a:tr h="0">
                 <a:tc>
@@ -10479,6 +10768,11 @@
                     </a:solidFill>
                   </a:tcPr>
                 </a:tc>
+                <a:extLst>
+                  <a:ext uri="{0D108BD9-81ED-4DB2-BD59-A6C34878D82A}">
+                    <a16:rowId xmlns:a16="http://schemas.microsoft.com/office/drawing/2014/main" val="10000"/>
+                  </a:ext>
+                </a:extLst>
               </a:tr>
               <a:tr h="0">
                 <a:tc>
@@ -10749,6 +11043,11 @@
                     </a:lnB>
                   </a:tcPr>
                 </a:tc>
+                <a:extLst>
+                  <a:ext uri="{0D108BD9-81ED-4DB2-BD59-A6C34878D82A}">
+                    <a16:rowId xmlns:a16="http://schemas.microsoft.com/office/drawing/2014/main" val="10001"/>
+                  </a:ext>
+                </a:extLst>
               </a:tr>
               <a:tr h="0">
                 <a:tc>
@@ -11019,6 +11318,11 @@
                     </a:lnB>
                   </a:tcPr>
                 </a:tc>
+                <a:extLst>
+                  <a:ext uri="{0D108BD9-81ED-4DB2-BD59-A6C34878D82A}">
+                    <a16:rowId xmlns:a16="http://schemas.microsoft.com/office/drawing/2014/main" val="10002"/>
+                  </a:ext>
+                </a:extLst>
               </a:tr>
               <a:tr h="0">
                 <a:tc>
@@ -11289,6 +11593,11 @@
                     </a:lnB>
                   </a:tcPr>
                 </a:tc>
+                <a:extLst>
+                  <a:ext uri="{0D108BD9-81ED-4DB2-BD59-A6C34878D82A}">
+                    <a16:rowId xmlns:a16="http://schemas.microsoft.com/office/drawing/2014/main" val="10003"/>
+                  </a:ext>
+                </a:extLst>
               </a:tr>
               <a:tr h="0">
                 <a:tc>
@@ -11559,6 +11868,11 @@
                     </a:lnB>
                   </a:tcPr>
                 </a:tc>
+                <a:extLst>
+                  <a:ext uri="{0D108BD9-81ED-4DB2-BD59-A6C34878D82A}">
+                    <a16:rowId xmlns:a16="http://schemas.microsoft.com/office/drawing/2014/main" val="10004"/>
+                  </a:ext>
+                </a:extLst>
               </a:tr>
               <a:tr h="0">
                 <a:tc>
@@ -11829,6 +12143,11 @@
                     </a:lnB>
                   </a:tcPr>
                 </a:tc>
+                <a:extLst>
+                  <a:ext uri="{0D108BD9-81ED-4DB2-BD59-A6C34878D82A}">
+                    <a16:rowId xmlns:a16="http://schemas.microsoft.com/office/drawing/2014/main" val="10005"/>
+                  </a:ext>
+                </a:extLst>
               </a:tr>
               <a:tr h="0">
                 <a:tc>
@@ -12099,6 +12418,11 @@
                     </a:lnB>
                   </a:tcPr>
                 </a:tc>
+                <a:extLst>
+                  <a:ext uri="{0D108BD9-81ED-4DB2-BD59-A6C34878D82A}">
+                    <a16:rowId xmlns:a16="http://schemas.microsoft.com/office/drawing/2014/main" val="10006"/>
+                  </a:ext>
+                </a:extLst>
               </a:tr>
             </a:tbl>
           </a:graphicData>
@@ -12155,7 +12479,7 @@
               <a:tabLst/>
             </a:pPr>
             <a:r>
-              <a:rPr kumimoji="0" lang="sv-SE" sz="1200" b="0" i="0" u="none" strike="noStrike" cap="none" normalizeH="0" baseline="0" dirty="0" smtClean="0">
+              <a:rPr kumimoji="0" lang="sv-SE" sz="1200" b="0" i="0" u="none" strike="noStrike" cap="none" normalizeH="0" baseline="0" dirty="0">
                 <a:ln>
                   <a:noFill/>
                 </a:ln>
@@ -12170,7 +12494,7 @@
               <a:t>populara.html (desktop &amp; mobil – populära restauranger)</a:t>
             </a:r>
             <a:r>
-              <a:rPr kumimoji="0" lang="sv-SE" sz="1400" b="1" i="0" u="none" strike="noStrike" cap="none" normalizeH="0" baseline="0" dirty="0" smtClean="0">
+              <a:rPr kumimoji="0" lang="sv-SE" sz="1400" b="1" i="0" u="none" strike="noStrike" cap="none" normalizeH="0" baseline="0" dirty="0">
                 <a:ln>
                   <a:noFill/>
                 </a:ln>
@@ -12184,7 +12508,7 @@
               </a:rPr>
               <a:t> </a:t>
             </a:r>
-            <a:endParaRPr kumimoji="0" lang="sv-SE" sz="1800" b="0" i="0" u="none" strike="noStrike" cap="none" normalizeH="0" baseline="0" dirty="0" smtClean="0">
+            <a:endParaRPr kumimoji="0" lang="sv-SE" sz="1800" b="0" i="0" u="none" strike="noStrike" cap="none" normalizeH="0" baseline="0" dirty="0">
               <a:ln>
                 <a:noFill/>
               </a:ln>
@@ -12239,7 +12563,7 @@
           <a:lstStyle/>
           <a:p>
             <a:r>
-              <a:rPr lang="en-US" b="1" dirty="0" err="1" smtClean="0"/>
+              <a:rPr lang="en-US" b="1" dirty="0" err="1"/>
               <a:t>Prioriteringslista</a:t>
             </a:r>
             <a:endParaRPr lang="en-US" dirty="0"/>
@@ -12263,10 +12587,34 @@
             <a:tbl>
               <a:tblPr/>
               <a:tblGrid>
-                <a:gridCol w="1598930"/>
-                <a:gridCol w="1890395"/>
-                <a:gridCol w="1071245"/>
-                <a:gridCol w="684530"/>
+                <a:gridCol w="1598930">
+                  <a:extLst>
+                    <a:ext uri="{9D8B030D-6E8A-4147-A177-3AD203B41FA5}">
+                      <a16:colId xmlns:a16="http://schemas.microsoft.com/office/drawing/2014/main" val="20000"/>
+                    </a:ext>
+                  </a:extLst>
+                </a:gridCol>
+                <a:gridCol w="1890395">
+                  <a:extLst>
+                    <a:ext uri="{9D8B030D-6E8A-4147-A177-3AD203B41FA5}">
+                      <a16:colId xmlns:a16="http://schemas.microsoft.com/office/drawing/2014/main" val="20001"/>
+                    </a:ext>
+                  </a:extLst>
+                </a:gridCol>
+                <a:gridCol w="1071245">
+                  <a:extLst>
+                    <a:ext uri="{9D8B030D-6E8A-4147-A177-3AD203B41FA5}">
+                      <a16:colId xmlns:a16="http://schemas.microsoft.com/office/drawing/2014/main" val="20002"/>
+                    </a:ext>
+                  </a:extLst>
+                </a:gridCol>
+                <a:gridCol w="684530">
+                  <a:extLst>
+                    <a:ext uri="{9D8B030D-6E8A-4147-A177-3AD203B41FA5}">
+                      <a16:colId xmlns:a16="http://schemas.microsoft.com/office/drawing/2014/main" val="20003"/>
+                    </a:ext>
+                  </a:extLst>
+                </a:gridCol>
               </a:tblGrid>
               <a:tr h="0">
                 <a:tc>
@@ -12549,6 +12897,11 @@
                     </a:solidFill>
                   </a:tcPr>
                 </a:tc>
+                <a:extLst>
+                  <a:ext uri="{0D108BD9-81ED-4DB2-BD59-A6C34878D82A}">
+                    <a16:rowId xmlns:a16="http://schemas.microsoft.com/office/drawing/2014/main" val="10000"/>
+                  </a:ext>
+                </a:extLst>
               </a:tr>
               <a:tr h="0">
                 <a:tc>
@@ -12819,6 +13172,11 @@
                     </a:lnB>
                   </a:tcPr>
                 </a:tc>
+                <a:extLst>
+                  <a:ext uri="{0D108BD9-81ED-4DB2-BD59-A6C34878D82A}">
+                    <a16:rowId xmlns:a16="http://schemas.microsoft.com/office/drawing/2014/main" val="10001"/>
+                  </a:ext>
+                </a:extLst>
               </a:tr>
               <a:tr h="0">
                 <a:tc>
@@ -13089,6 +13447,11 @@
                     </a:lnB>
                   </a:tcPr>
                 </a:tc>
+                <a:extLst>
+                  <a:ext uri="{0D108BD9-81ED-4DB2-BD59-A6C34878D82A}">
+                    <a16:rowId xmlns:a16="http://schemas.microsoft.com/office/drawing/2014/main" val="10002"/>
+                  </a:ext>
+                </a:extLst>
               </a:tr>
               <a:tr h="0">
                 <a:tc>
@@ -13359,6 +13722,11 @@
                     </a:lnB>
                   </a:tcPr>
                 </a:tc>
+                <a:extLst>
+                  <a:ext uri="{0D108BD9-81ED-4DB2-BD59-A6C34878D82A}">
+                    <a16:rowId xmlns:a16="http://schemas.microsoft.com/office/drawing/2014/main" val="10003"/>
+                  </a:ext>
+                </a:extLst>
               </a:tr>
               <a:tr h="0">
                 <a:tc>
@@ -13629,6 +13997,11 @@
                     </a:lnB>
                   </a:tcPr>
                 </a:tc>
+                <a:extLst>
+                  <a:ext uri="{0D108BD9-81ED-4DB2-BD59-A6C34878D82A}">
+                    <a16:rowId xmlns:a16="http://schemas.microsoft.com/office/drawing/2014/main" val="10004"/>
+                  </a:ext>
+                </a:extLst>
               </a:tr>
               <a:tr h="0">
                 <a:tc>
@@ -13645,14 +14018,14 @@
                         </a:spcAft>
                       </a:pPr>
                       <a:r>
-                        <a:rPr lang="en-US" sz="1200">
+                        <a:rPr lang="en-US" sz="1200" dirty="0">
                           <a:latin typeface="Calibri"/>
                           <a:ea typeface="Calibri"/>
                           <a:cs typeface="Calibri"/>
                         </a:rPr>
                         <a:t>Current Points</a:t>
                       </a:r>
-                      <a:endParaRPr lang="en-US" sz="1100">
+                      <a:endParaRPr lang="en-US" sz="1100" dirty="0">
                         <a:latin typeface="Calibri"/>
                         <a:ea typeface="Calibri"/>
                         <a:cs typeface="Arial"/>
@@ -13899,6 +14272,11 @@
                     </a:lnB>
                   </a:tcPr>
                 </a:tc>
+                <a:extLst>
+                  <a:ext uri="{0D108BD9-81ED-4DB2-BD59-A6C34878D82A}">
+                    <a16:rowId xmlns:a16="http://schemas.microsoft.com/office/drawing/2014/main" val="10005"/>
+                  </a:ext>
+                </a:extLst>
               </a:tr>
               <a:tr h="0">
                 <a:tc>
@@ -14169,6 +14547,11 @@
                     </a:lnB>
                   </a:tcPr>
                 </a:tc>
+                <a:extLst>
+                  <a:ext uri="{0D108BD9-81ED-4DB2-BD59-A6C34878D82A}">
+                    <a16:rowId xmlns:a16="http://schemas.microsoft.com/office/drawing/2014/main" val="10006"/>
+                  </a:ext>
+                </a:extLst>
               </a:tr>
               <a:tr h="0">
                 <a:tc>
@@ -14439,6 +14822,11 @@
                     </a:lnB>
                   </a:tcPr>
                 </a:tc>
+                <a:extLst>
+                  <a:ext uri="{0D108BD9-81ED-4DB2-BD59-A6C34878D82A}">
+                    <a16:rowId xmlns:a16="http://schemas.microsoft.com/office/drawing/2014/main" val="10007"/>
+                  </a:ext>
+                </a:extLst>
               </a:tr>
               <a:tr h="0">
                 <a:tc>
@@ -14709,6 +15097,11 @@
                     </a:lnB>
                   </a:tcPr>
                 </a:tc>
+                <a:extLst>
+                  <a:ext uri="{0D108BD9-81ED-4DB2-BD59-A6C34878D82A}">
+                    <a16:rowId xmlns:a16="http://schemas.microsoft.com/office/drawing/2014/main" val="10008"/>
+                  </a:ext>
+                </a:extLst>
               </a:tr>
               <a:tr h="0">
                 <a:tc>
@@ -14979,6 +15372,11 @@
                     </a:lnB>
                   </a:tcPr>
                 </a:tc>
+                <a:extLst>
+                  <a:ext uri="{0D108BD9-81ED-4DB2-BD59-A6C34878D82A}">
+                    <a16:rowId xmlns:a16="http://schemas.microsoft.com/office/drawing/2014/main" val="10009"/>
+                  </a:ext>
+                </a:extLst>
               </a:tr>
             </a:tbl>
           </a:graphicData>
@@ -15035,7 +15433,7 @@
               <a:tabLst/>
             </a:pPr>
             <a:r>
-              <a:rPr kumimoji="0" lang="sv-SE" sz="1200" b="0" i="0" u="none" strike="noStrike" cap="none" normalizeH="0" baseline="0" dirty="0" smtClean="0">
+              <a:rPr kumimoji="0" lang="sv-SE" sz="1200" b="0" i="0" u="none" strike="noStrike" cap="none" normalizeH="0" baseline="0" dirty="0">
                 <a:ln>
                   <a:noFill/>
                 </a:ln>
@@ -15049,7 +15447,7 @@
               </a:rPr>
               <a:t>bestall.html (desktop &amp; mobil – beställ mat)</a:t>
             </a:r>
-            <a:endParaRPr kumimoji="0" lang="sv-SE" sz="1800" b="0" i="0" u="none" strike="noStrike" cap="none" normalizeH="0" baseline="0" dirty="0" smtClean="0">
+            <a:endParaRPr kumimoji="0" lang="sv-SE" sz="1800" b="0" i="0" u="none" strike="noStrike" cap="none" normalizeH="0" baseline="0" dirty="0">
               <a:ln>
                 <a:noFill/>
               </a:ln>
@@ -15080,10 +15478,34 @@
             <a:tbl>
               <a:tblPr/>
               <a:tblGrid>
-                <a:gridCol w="1598930"/>
-                <a:gridCol w="1890395"/>
-                <a:gridCol w="1071245"/>
-                <a:gridCol w="684530"/>
+                <a:gridCol w="1598930">
+                  <a:extLst>
+                    <a:ext uri="{9D8B030D-6E8A-4147-A177-3AD203B41FA5}">
+                      <a16:colId xmlns:a16="http://schemas.microsoft.com/office/drawing/2014/main" val="20000"/>
+                    </a:ext>
+                  </a:extLst>
+                </a:gridCol>
+                <a:gridCol w="1890395">
+                  <a:extLst>
+                    <a:ext uri="{9D8B030D-6E8A-4147-A177-3AD203B41FA5}">
+                      <a16:colId xmlns:a16="http://schemas.microsoft.com/office/drawing/2014/main" val="20001"/>
+                    </a:ext>
+                  </a:extLst>
+                </a:gridCol>
+                <a:gridCol w="1071245">
+                  <a:extLst>
+                    <a:ext uri="{9D8B030D-6E8A-4147-A177-3AD203B41FA5}">
+                      <a16:colId xmlns:a16="http://schemas.microsoft.com/office/drawing/2014/main" val="20002"/>
+                    </a:ext>
+                  </a:extLst>
+                </a:gridCol>
+                <a:gridCol w="684530">
+                  <a:extLst>
+                    <a:ext uri="{9D8B030D-6E8A-4147-A177-3AD203B41FA5}">
+                      <a16:colId xmlns:a16="http://schemas.microsoft.com/office/drawing/2014/main" val="20003"/>
+                    </a:ext>
+                  </a:extLst>
+                </a:gridCol>
               </a:tblGrid>
               <a:tr h="0">
                 <a:tc>
@@ -15366,6 +15788,11 @@
                     </a:solidFill>
                   </a:tcPr>
                 </a:tc>
+                <a:extLst>
+                  <a:ext uri="{0D108BD9-81ED-4DB2-BD59-A6C34878D82A}">
+                    <a16:rowId xmlns:a16="http://schemas.microsoft.com/office/drawing/2014/main" val="10000"/>
+                  </a:ext>
+                </a:extLst>
               </a:tr>
               <a:tr h="0">
                 <a:tc>
@@ -15636,6 +16063,11 @@
                     </a:lnB>
                   </a:tcPr>
                 </a:tc>
+                <a:extLst>
+                  <a:ext uri="{0D108BD9-81ED-4DB2-BD59-A6C34878D82A}">
+                    <a16:rowId xmlns:a16="http://schemas.microsoft.com/office/drawing/2014/main" val="10001"/>
+                  </a:ext>
+                </a:extLst>
               </a:tr>
               <a:tr h="0">
                 <a:tc>
@@ -15906,6 +16338,11 @@
                     </a:lnB>
                   </a:tcPr>
                 </a:tc>
+                <a:extLst>
+                  <a:ext uri="{0D108BD9-81ED-4DB2-BD59-A6C34878D82A}">
+                    <a16:rowId xmlns:a16="http://schemas.microsoft.com/office/drawing/2014/main" val="10002"/>
+                  </a:ext>
+                </a:extLst>
               </a:tr>
               <a:tr h="0">
                 <a:tc>
@@ -16176,6 +16613,11 @@
                     </a:lnB>
                   </a:tcPr>
                 </a:tc>
+                <a:extLst>
+                  <a:ext uri="{0D108BD9-81ED-4DB2-BD59-A6C34878D82A}">
+                    <a16:rowId xmlns:a16="http://schemas.microsoft.com/office/drawing/2014/main" val="10003"/>
+                  </a:ext>
+                </a:extLst>
               </a:tr>
               <a:tr h="0">
                 <a:tc>
@@ -16446,6 +16888,11 @@
                     </a:lnB>
                   </a:tcPr>
                 </a:tc>
+                <a:extLst>
+                  <a:ext uri="{0D108BD9-81ED-4DB2-BD59-A6C34878D82A}">
+                    <a16:rowId xmlns:a16="http://schemas.microsoft.com/office/drawing/2014/main" val="10004"/>
+                  </a:ext>
+                </a:extLst>
               </a:tr>
               <a:tr h="0">
                 <a:tc>
@@ -16716,6 +17163,11 @@
                     </a:lnB>
                   </a:tcPr>
                 </a:tc>
+                <a:extLst>
+                  <a:ext uri="{0D108BD9-81ED-4DB2-BD59-A6C34878D82A}">
+                    <a16:rowId xmlns:a16="http://schemas.microsoft.com/office/drawing/2014/main" val="10005"/>
+                  </a:ext>
+                </a:extLst>
               </a:tr>
               <a:tr h="0">
                 <a:tc>
@@ -16986,6 +17438,11 @@
                     </a:lnB>
                   </a:tcPr>
                 </a:tc>
+                <a:extLst>
+                  <a:ext uri="{0D108BD9-81ED-4DB2-BD59-A6C34878D82A}">
+                    <a16:rowId xmlns:a16="http://schemas.microsoft.com/office/drawing/2014/main" val="10006"/>
+                  </a:ext>
+                </a:extLst>
               </a:tr>
             </a:tbl>
           </a:graphicData>
@@ -17042,7 +17499,7 @@
               <a:tabLst/>
             </a:pPr>
             <a:r>
-              <a:rPr kumimoji="0" lang="sv-SE" sz="1200" b="0" i="0" u="none" strike="noStrike" cap="none" normalizeH="0" baseline="0" dirty="0" smtClean="0">
+              <a:rPr kumimoji="0" lang="sv-SE" sz="1200" b="0" i="0" u="none" strike="noStrike" cap="none" normalizeH="0" baseline="0" dirty="0">
                 <a:ln>
                   <a:noFill/>
                 </a:ln>
@@ -17056,7 +17513,7 @@
               </a:rPr>
               <a:t>tack.html (dektop &amp; mobil – tack för köpet)</a:t>
             </a:r>
-            <a:endParaRPr kumimoji="0" lang="sv-SE" sz="1800" b="0" i="0" u="none" strike="noStrike" cap="none" normalizeH="0" baseline="0" dirty="0" smtClean="0">
+            <a:endParaRPr kumimoji="0" lang="sv-SE" sz="1800" b="0" i="0" u="none" strike="noStrike" cap="none" normalizeH="0" baseline="0" dirty="0">
               <a:ln>
                 <a:noFill/>
               </a:ln>
@@ -17111,7 +17568,7 @@
           <a:lstStyle/>
           <a:p>
             <a:r>
-              <a:rPr lang="en-US" b="1" dirty="0" err="1" smtClean="0"/>
+              <a:rPr lang="en-US" b="1" dirty="0" err="1"/>
               <a:t>Prioriteringslista</a:t>
             </a:r>
             <a:endParaRPr lang="en-US" dirty="0"/>
@@ -17135,10 +17592,34 @@
             <a:tbl>
               <a:tblPr/>
               <a:tblGrid>
-                <a:gridCol w="1598930"/>
-                <a:gridCol w="1890395"/>
-                <a:gridCol w="1071245"/>
-                <a:gridCol w="684530"/>
+                <a:gridCol w="1598930">
+                  <a:extLst>
+                    <a:ext uri="{9D8B030D-6E8A-4147-A177-3AD203B41FA5}">
+                      <a16:colId xmlns:a16="http://schemas.microsoft.com/office/drawing/2014/main" val="20000"/>
+                    </a:ext>
+                  </a:extLst>
+                </a:gridCol>
+                <a:gridCol w="1890395">
+                  <a:extLst>
+                    <a:ext uri="{9D8B030D-6E8A-4147-A177-3AD203B41FA5}">
+                      <a16:colId xmlns:a16="http://schemas.microsoft.com/office/drawing/2014/main" val="20001"/>
+                    </a:ext>
+                  </a:extLst>
+                </a:gridCol>
+                <a:gridCol w="1071245">
+                  <a:extLst>
+                    <a:ext uri="{9D8B030D-6E8A-4147-A177-3AD203B41FA5}">
+                      <a16:colId xmlns:a16="http://schemas.microsoft.com/office/drawing/2014/main" val="20002"/>
+                    </a:ext>
+                  </a:extLst>
+                </a:gridCol>
+                <a:gridCol w="684530">
+                  <a:extLst>
+                    <a:ext uri="{9D8B030D-6E8A-4147-A177-3AD203B41FA5}">
+                      <a16:colId xmlns:a16="http://schemas.microsoft.com/office/drawing/2014/main" val="20003"/>
+                    </a:ext>
+                  </a:extLst>
+                </a:gridCol>
               </a:tblGrid>
               <a:tr h="0">
                 <a:tc>
@@ -17421,6 +17902,11 @@
                     </a:solidFill>
                   </a:tcPr>
                 </a:tc>
+                <a:extLst>
+                  <a:ext uri="{0D108BD9-81ED-4DB2-BD59-A6C34878D82A}">
+                    <a16:rowId xmlns:a16="http://schemas.microsoft.com/office/drawing/2014/main" val="10000"/>
+                  </a:ext>
+                </a:extLst>
               </a:tr>
               <a:tr h="0">
                 <a:tc>
@@ -17691,6 +18177,11 @@
                     </a:lnB>
                   </a:tcPr>
                 </a:tc>
+                <a:extLst>
+                  <a:ext uri="{0D108BD9-81ED-4DB2-BD59-A6C34878D82A}">
+                    <a16:rowId xmlns:a16="http://schemas.microsoft.com/office/drawing/2014/main" val="10001"/>
+                  </a:ext>
+                </a:extLst>
               </a:tr>
               <a:tr h="0">
                 <a:tc>
@@ -17961,6 +18452,11 @@
                     </a:lnB>
                   </a:tcPr>
                 </a:tc>
+                <a:extLst>
+                  <a:ext uri="{0D108BD9-81ED-4DB2-BD59-A6C34878D82A}">
+                    <a16:rowId xmlns:a16="http://schemas.microsoft.com/office/drawing/2014/main" val="10002"/>
+                  </a:ext>
+                </a:extLst>
               </a:tr>
               <a:tr h="0">
                 <a:tc>
@@ -18231,6 +18727,11 @@
                     </a:lnB>
                   </a:tcPr>
                 </a:tc>
+                <a:extLst>
+                  <a:ext uri="{0D108BD9-81ED-4DB2-BD59-A6C34878D82A}">
+                    <a16:rowId xmlns:a16="http://schemas.microsoft.com/office/drawing/2014/main" val="10003"/>
+                  </a:ext>
+                </a:extLst>
               </a:tr>
               <a:tr h="0">
                 <a:tc>
@@ -18501,6 +19002,11 @@
                     </a:lnB>
                   </a:tcPr>
                 </a:tc>
+                <a:extLst>
+                  <a:ext uri="{0D108BD9-81ED-4DB2-BD59-A6C34878D82A}">
+                    <a16:rowId xmlns:a16="http://schemas.microsoft.com/office/drawing/2014/main" val="10004"/>
+                  </a:ext>
+                </a:extLst>
               </a:tr>
               <a:tr h="0">
                 <a:tc>
@@ -18771,6 +19277,11 @@
                     </a:lnB>
                   </a:tcPr>
                 </a:tc>
+                <a:extLst>
+                  <a:ext uri="{0D108BD9-81ED-4DB2-BD59-A6C34878D82A}">
+                    <a16:rowId xmlns:a16="http://schemas.microsoft.com/office/drawing/2014/main" val="10005"/>
+                  </a:ext>
+                </a:extLst>
               </a:tr>
               <a:tr h="0">
                 <a:tc>
@@ -19041,6 +19552,11 @@
                     </a:lnB>
                   </a:tcPr>
                 </a:tc>
+                <a:extLst>
+                  <a:ext uri="{0D108BD9-81ED-4DB2-BD59-A6C34878D82A}">
+                    <a16:rowId xmlns:a16="http://schemas.microsoft.com/office/drawing/2014/main" val="10006"/>
+                  </a:ext>
+                </a:extLst>
               </a:tr>
             </a:tbl>
           </a:graphicData>
@@ -19097,7 +19613,7 @@
               <a:tabLst/>
             </a:pPr>
             <a:r>
-              <a:rPr kumimoji="0" lang="sv-SE" sz="1200" b="0" i="0" u="none" strike="noStrike" cap="none" normalizeH="0" baseline="0" dirty="0" smtClean="0">
+              <a:rPr kumimoji="0" lang="sv-SE" sz="1200" b="0" i="0" u="none" strike="noStrike" cap="none" normalizeH="0" baseline="0" dirty="0">
                 <a:ln>
                   <a:noFill/>
                 </a:ln>
@@ -19111,7 +19627,7 @@
               </a:rPr>
               <a:t>omoss.html (desktop &amp; mobil – om oss)</a:t>
             </a:r>
-            <a:endParaRPr kumimoji="0" lang="sv-SE" sz="1200" b="0" i="0" u="none" strike="noStrike" cap="none" normalizeH="0" baseline="0" dirty="0" smtClean="0">
+            <a:endParaRPr kumimoji="0" lang="sv-SE" sz="1200" b="0" i="0" u="none" strike="noStrike" cap="none" normalizeH="0" baseline="0" dirty="0">
               <a:ln>
                 <a:noFill/>
               </a:ln>
@@ -19141,23 +19657,8 @@
               <a:buNone/>
               <a:tabLst/>
             </a:pPr>
-            <a:r>
-              <a:rPr kumimoji="0" lang="sv-SE" sz="1200" b="0" i="0" u="none" strike="noStrike" cap="none" normalizeH="0" baseline="0" dirty="0" smtClean="0">
-                <a:ln>
-                  <a:noFill/>
-                </a:ln>
-                <a:solidFill>
-                  <a:schemeClr val="tx1"/>
-                </a:solidFill>
-                <a:effectLst/>
-                <a:latin typeface="Arial" pitchFamily="34" charset="0"/>
-                <a:ea typeface="Calibri" pitchFamily="34" charset="0"/>
-                <a:cs typeface="Arial" pitchFamily="34" charset="0"/>
-              </a:rPr>
-              <a:t/>
-            </a:r>
             <a:br>
-              <a:rPr kumimoji="0" lang="sv-SE" sz="1200" b="0" i="0" u="none" strike="noStrike" cap="none" normalizeH="0" baseline="0" dirty="0" smtClean="0">
+              <a:rPr kumimoji="0" lang="sv-SE" sz="1200" b="0" i="0" u="none" strike="noStrike" cap="none" normalizeH="0" baseline="0" dirty="0">
                 <a:ln>
                   <a:noFill/>
                 </a:ln>
@@ -19170,23 +19671,8 @@
                 <a:cs typeface="Arial" pitchFamily="34" charset="0"/>
               </a:rPr>
             </a:br>
-            <a:r>
-              <a:rPr kumimoji="0" lang="sv-SE" sz="1200" b="0" i="0" u="none" strike="noStrike" cap="none" normalizeH="0" baseline="0" dirty="0" smtClean="0">
-                <a:ln>
-                  <a:noFill/>
-                </a:ln>
-                <a:solidFill>
-                  <a:schemeClr val="tx1"/>
-                </a:solidFill>
-                <a:effectLst/>
-                <a:latin typeface="Arial" pitchFamily="34" charset="0"/>
-                <a:ea typeface="Calibri" pitchFamily="34" charset="0"/>
-                <a:cs typeface="Arial" pitchFamily="34" charset="0"/>
-              </a:rPr>
-              <a:t/>
-            </a:r>
             <a:br>
-              <a:rPr kumimoji="0" lang="sv-SE" sz="1200" b="0" i="0" u="none" strike="noStrike" cap="none" normalizeH="0" baseline="0" dirty="0" smtClean="0">
+              <a:rPr kumimoji="0" lang="sv-SE" sz="1200" b="0" i="0" u="none" strike="noStrike" cap="none" normalizeH="0" baseline="0" dirty="0">
                 <a:ln>
                   <a:noFill/>
                 </a:ln>
@@ -19199,7 +19685,7 @@
                 <a:cs typeface="Arial" pitchFamily="34" charset="0"/>
               </a:rPr>
             </a:br>
-            <a:endParaRPr kumimoji="0" lang="sv-SE" sz="1800" b="0" i="0" u="none" strike="noStrike" cap="none" normalizeH="0" baseline="0" dirty="0" smtClean="0">
+            <a:endParaRPr kumimoji="0" lang="sv-SE" sz="1800" b="0" i="0" u="none" strike="noStrike" cap="none" normalizeH="0" baseline="0" dirty="0">
               <a:ln>
                 <a:noFill/>
               </a:ln>
@@ -19230,10 +19716,34 @@
             <a:tbl>
               <a:tblPr/>
               <a:tblGrid>
-                <a:gridCol w="1779270"/>
-                <a:gridCol w="1710055"/>
-                <a:gridCol w="1071245"/>
-                <a:gridCol w="684530"/>
+                <a:gridCol w="1779270">
+                  <a:extLst>
+                    <a:ext uri="{9D8B030D-6E8A-4147-A177-3AD203B41FA5}">
+                      <a16:colId xmlns:a16="http://schemas.microsoft.com/office/drawing/2014/main" val="20000"/>
+                    </a:ext>
+                  </a:extLst>
+                </a:gridCol>
+                <a:gridCol w="1710055">
+                  <a:extLst>
+                    <a:ext uri="{9D8B030D-6E8A-4147-A177-3AD203B41FA5}">
+                      <a16:colId xmlns:a16="http://schemas.microsoft.com/office/drawing/2014/main" val="20001"/>
+                    </a:ext>
+                  </a:extLst>
+                </a:gridCol>
+                <a:gridCol w="1071245">
+                  <a:extLst>
+                    <a:ext uri="{9D8B030D-6E8A-4147-A177-3AD203B41FA5}">
+                      <a16:colId xmlns:a16="http://schemas.microsoft.com/office/drawing/2014/main" val="20002"/>
+                    </a:ext>
+                  </a:extLst>
+                </a:gridCol>
+                <a:gridCol w="684530">
+                  <a:extLst>
+                    <a:ext uri="{9D8B030D-6E8A-4147-A177-3AD203B41FA5}">
+                      <a16:colId xmlns:a16="http://schemas.microsoft.com/office/drawing/2014/main" val="20003"/>
+                    </a:ext>
+                  </a:extLst>
+                </a:gridCol>
               </a:tblGrid>
               <a:tr h="0">
                 <a:tc>
@@ -19516,6 +20026,11 @@
                     </a:solidFill>
                   </a:tcPr>
                 </a:tc>
+                <a:extLst>
+                  <a:ext uri="{0D108BD9-81ED-4DB2-BD59-A6C34878D82A}">
+                    <a16:rowId xmlns:a16="http://schemas.microsoft.com/office/drawing/2014/main" val="10000"/>
+                  </a:ext>
+                </a:extLst>
               </a:tr>
               <a:tr h="0">
                 <a:tc>
@@ -19786,6 +20301,11 @@
                     </a:lnB>
                   </a:tcPr>
                 </a:tc>
+                <a:extLst>
+                  <a:ext uri="{0D108BD9-81ED-4DB2-BD59-A6C34878D82A}">
+                    <a16:rowId xmlns:a16="http://schemas.microsoft.com/office/drawing/2014/main" val="10001"/>
+                  </a:ext>
+                </a:extLst>
               </a:tr>
               <a:tr h="0">
                 <a:tc>
@@ -20056,6 +20576,11 @@
                     </a:lnB>
                   </a:tcPr>
                 </a:tc>
+                <a:extLst>
+                  <a:ext uri="{0D108BD9-81ED-4DB2-BD59-A6C34878D82A}">
+                    <a16:rowId xmlns:a16="http://schemas.microsoft.com/office/drawing/2014/main" val="10002"/>
+                  </a:ext>
+                </a:extLst>
               </a:tr>
               <a:tr h="0">
                 <a:tc>
@@ -20326,6 +20851,11 @@
                     </a:lnB>
                   </a:tcPr>
                 </a:tc>
+                <a:extLst>
+                  <a:ext uri="{0D108BD9-81ED-4DB2-BD59-A6C34878D82A}">
+                    <a16:rowId xmlns:a16="http://schemas.microsoft.com/office/drawing/2014/main" val="10003"/>
+                  </a:ext>
+                </a:extLst>
               </a:tr>
               <a:tr h="0">
                 <a:tc>
@@ -20596,6 +21126,11 @@
                     </a:lnB>
                   </a:tcPr>
                 </a:tc>
+                <a:extLst>
+                  <a:ext uri="{0D108BD9-81ED-4DB2-BD59-A6C34878D82A}">
+                    <a16:rowId xmlns:a16="http://schemas.microsoft.com/office/drawing/2014/main" val="10004"/>
+                  </a:ext>
+                </a:extLst>
               </a:tr>
               <a:tr h="0">
                 <a:tc>
@@ -20866,6 +21401,11 @@
                     </a:lnB>
                   </a:tcPr>
                 </a:tc>
+                <a:extLst>
+                  <a:ext uri="{0D108BD9-81ED-4DB2-BD59-A6C34878D82A}">
+                    <a16:rowId xmlns:a16="http://schemas.microsoft.com/office/drawing/2014/main" val="10005"/>
+                  </a:ext>
+                </a:extLst>
               </a:tr>
               <a:tr h="0">
                 <a:tc>
@@ -21136,6 +21676,11 @@
                     </a:lnB>
                   </a:tcPr>
                 </a:tc>
+                <a:extLst>
+                  <a:ext uri="{0D108BD9-81ED-4DB2-BD59-A6C34878D82A}">
+                    <a16:rowId xmlns:a16="http://schemas.microsoft.com/office/drawing/2014/main" val="10006"/>
+                  </a:ext>
+                </a:extLst>
               </a:tr>
             </a:tbl>
           </a:graphicData>
@@ -21192,7 +21737,7 @@
               <a:tabLst/>
             </a:pPr>
             <a:r>
-              <a:rPr kumimoji="0" lang="sv-SE" sz="1200" b="0" i="0" u="none" strike="noStrike" cap="none" normalizeH="0" baseline="0" dirty="0" smtClean="0">
+              <a:rPr kumimoji="0" lang="sv-SE" sz="1200" b="0" i="0" u="none" strike="noStrike" cap="none" normalizeH="0" baseline="0" dirty="0">
                 <a:ln>
                   <a:noFill/>
                 </a:ln>
@@ -21207,7 +21752,7 @@
               <a:t>kontakta.html (desktop &amp; mobil – kontakta oss)</a:t>
             </a:r>
             <a:r>
-              <a:rPr kumimoji="0" lang="sv-SE" sz="1400" b="1" i="0" u="none" strike="noStrike" cap="none" normalizeH="0" baseline="0" dirty="0" smtClean="0">
+              <a:rPr kumimoji="0" lang="sv-SE" sz="1400" b="1" i="0" u="none" strike="noStrike" cap="none" normalizeH="0" baseline="0" dirty="0">
                 <a:ln>
                   <a:noFill/>
                 </a:ln>
@@ -21221,7 +21766,7 @@
               </a:rPr>
               <a:t> </a:t>
             </a:r>
-            <a:endParaRPr kumimoji="0" lang="sv-SE" sz="1200" b="0" i="0" u="none" strike="noStrike" cap="none" normalizeH="0" baseline="0" dirty="0" smtClean="0">
+            <a:endParaRPr kumimoji="0" lang="sv-SE" sz="1200" b="0" i="0" u="none" strike="noStrike" cap="none" normalizeH="0" baseline="0" dirty="0">
               <a:ln>
                 <a:noFill/>
               </a:ln>
@@ -21251,23 +21796,8 @@
               <a:buNone/>
               <a:tabLst/>
             </a:pPr>
-            <a:r>
-              <a:rPr kumimoji="0" lang="sv-SE" sz="1200" b="0" i="0" u="none" strike="noStrike" cap="none" normalizeH="0" baseline="0" dirty="0" smtClean="0">
-                <a:ln>
-                  <a:noFill/>
-                </a:ln>
-                <a:solidFill>
-                  <a:schemeClr val="tx1"/>
-                </a:solidFill>
-                <a:effectLst/>
-                <a:latin typeface="Arial" pitchFamily="34" charset="0"/>
-                <a:ea typeface="Calibri" pitchFamily="34" charset="0"/>
-                <a:cs typeface="Arial" pitchFamily="34" charset="0"/>
-              </a:rPr>
-              <a:t/>
-            </a:r>
             <a:br>
-              <a:rPr kumimoji="0" lang="sv-SE" sz="1200" b="0" i="0" u="none" strike="noStrike" cap="none" normalizeH="0" baseline="0" dirty="0" smtClean="0">
+              <a:rPr kumimoji="0" lang="sv-SE" sz="1200" b="0" i="0" u="none" strike="noStrike" cap="none" normalizeH="0" baseline="0" dirty="0">
                 <a:ln>
                   <a:noFill/>
                 </a:ln>
@@ -21280,23 +21810,8 @@
                 <a:cs typeface="Arial" pitchFamily="34" charset="0"/>
               </a:rPr>
             </a:br>
-            <a:r>
-              <a:rPr kumimoji="0" lang="sv-SE" sz="1200" b="0" i="0" u="none" strike="noStrike" cap="none" normalizeH="0" baseline="0" dirty="0" smtClean="0">
-                <a:ln>
-                  <a:noFill/>
-                </a:ln>
-                <a:solidFill>
-                  <a:schemeClr val="tx1"/>
-                </a:solidFill>
-                <a:effectLst/>
-                <a:latin typeface="Arial" pitchFamily="34" charset="0"/>
-                <a:ea typeface="Calibri" pitchFamily="34" charset="0"/>
-                <a:cs typeface="Arial" pitchFamily="34" charset="0"/>
-              </a:rPr>
-              <a:t/>
-            </a:r>
             <a:br>
-              <a:rPr kumimoji="0" lang="sv-SE" sz="1200" b="0" i="0" u="none" strike="noStrike" cap="none" normalizeH="0" baseline="0" dirty="0" smtClean="0">
+              <a:rPr kumimoji="0" lang="sv-SE" sz="1200" b="0" i="0" u="none" strike="noStrike" cap="none" normalizeH="0" baseline="0" dirty="0">
                 <a:ln>
                   <a:noFill/>
                 </a:ln>
@@ -21309,7 +21824,7 @@
                 <a:cs typeface="Arial" pitchFamily="34" charset="0"/>
               </a:rPr>
             </a:br>
-            <a:endParaRPr kumimoji="0" lang="sv-SE" sz="1800" b="0" i="0" u="none" strike="noStrike" cap="none" normalizeH="0" baseline="0" dirty="0" smtClean="0">
+            <a:endParaRPr kumimoji="0" lang="sv-SE" sz="1800" b="0" i="0" u="none" strike="noStrike" cap="none" normalizeH="0" baseline="0" dirty="0">
               <a:ln>
                 <a:noFill/>
               </a:ln>
@@ -21364,7 +21879,7 @@
           <a:lstStyle/>
           <a:p>
             <a:r>
-              <a:rPr lang="en-US" b="1" dirty="0" err="1" smtClean="0"/>
+              <a:rPr lang="en-US" b="1" dirty="0" err="1"/>
               <a:t>Prioriteringslista</a:t>
             </a:r>
             <a:endParaRPr lang="en-US" dirty="0"/>
@@ -21388,10 +21903,34 @@
             <a:tbl>
               <a:tblPr/>
               <a:tblGrid>
-                <a:gridCol w="1598930"/>
-                <a:gridCol w="1890395"/>
-                <a:gridCol w="1071245"/>
-                <a:gridCol w="684530"/>
+                <a:gridCol w="1598930">
+                  <a:extLst>
+                    <a:ext uri="{9D8B030D-6E8A-4147-A177-3AD203B41FA5}">
+                      <a16:colId xmlns:a16="http://schemas.microsoft.com/office/drawing/2014/main" val="20000"/>
+                    </a:ext>
+                  </a:extLst>
+                </a:gridCol>
+                <a:gridCol w="1890395">
+                  <a:extLst>
+                    <a:ext uri="{9D8B030D-6E8A-4147-A177-3AD203B41FA5}">
+                      <a16:colId xmlns:a16="http://schemas.microsoft.com/office/drawing/2014/main" val="20001"/>
+                    </a:ext>
+                  </a:extLst>
+                </a:gridCol>
+                <a:gridCol w="1071245">
+                  <a:extLst>
+                    <a:ext uri="{9D8B030D-6E8A-4147-A177-3AD203B41FA5}">
+                      <a16:colId xmlns:a16="http://schemas.microsoft.com/office/drawing/2014/main" val="20002"/>
+                    </a:ext>
+                  </a:extLst>
+                </a:gridCol>
+                <a:gridCol w="684530">
+                  <a:extLst>
+                    <a:ext uri="{9D8B030D-6E8A-4147-A177-3AD203B41FA5}">
+                      <a16:colId xmlns:a16="http://schemas.microsoft.com/office/drawing/2014/main" val="20003"/>
+                    </a:ext>
+                  </a:extLst>
+                </a:gridCol>
               </a:tblGrid>
               <a:tr h="0">
                 <a:tc>
@@ -21674,6 +22213,11 @@
                     </a:solidFill>
                   </a:tcPr>
                 </a:tc>
+                <a:extLst>
+                  <a:ext uri="{0D108BD9-81ED-4DB2-BD59-A6C34878D82A}">
+                    <a16:rowId xmlns:a16="http://schemas.microsoft.com/office/drawing/2014/main" val="10000"/>
+                  </a:ext>
+                </a:extLst>
               </a:tr>
               <a:tr h="0">
                 <a:tc>
@@ -21944,6 +22488,11 @@
                     </a:lnB>
                   </a:tcPr>
                 </a:tc>
+                <a:extLst>
+                  <a:ext uri="{0D108BD9-81ED-4DB2-BD59-A6C34878D82A}">
+                    <a16:rowId xmlns:a16="http://schemas.microsoft.com/office/drawing/2014/main" val="10001"/>
+                  </a:ext>
+                </a:extLst>
               </a:tr>
               <a:tr h="0">
                 <a:tc>
@@ -22214,6 +22763,11 @@
                     </a:lnB>
                   </a:tcPr>
                 </a:tc>
+                <a:extLst>
+                  <a:ext uri="{0D108BD9-81ED-4DB2-BD59-A6C34878D82A}">
+                    <a16:rowId xmlns:a16="http://schemas.microsoft.com/office/drawing/2014/main" val="10002"/>
+                  </a:ext>
+                </a:extLst>
               </a:tr>
               <a:tr h="0">
                 <a:tc>
@@ -22484,6 +23038,11 @@
                     </a:lnB>
                   </a:tcPr>
                 </a:tc>
+                <a:extLst>
+                  <a:ext uri="{0D108BD9-81ED-4DB2-BD59-A6C34878D82A}">
+                    <a16:rowId xmlns:a16="http://schemas.microsoft.com/office/drawing/2014/main" val="10003"/>
+                  </a:ext>
+                </a:extLst>
               </a:tr>
               <a:tr h="0">
                 <a:tc>
@@ -22754,6 +23313,11 @@
                     </a:lnB>
                   </a:tcPr>
                 </a:tc>
+                <a:extLst>
+                  <a:ext uri="{0D108BD9-81ED-4DB2-BD59-A6C34878D82A}">
+                    <a16:rowId xmlns:a16="http://schemas.microsoft.com/office/drawing/2014/main" val="10004"/>
+                  </a:ext>
+                </a:extLst>
               </a:tr>
             </a:tbl>
           </a:graphicData>
@@ -22810,7 +23374,7 @@
               <a:tabLst/>
             </a:pPr>
             <a:r>
-              <a:rPr kumimoji="0" lang="sv-SE" sz="1200" b="0" i="0" u="none" strike="noStrike" cap="none" normalizeH="0" baseline="0" dirty="0" smtClean="0">
+              <a:rPr kumimoji="0" lang="sv-SE" sz="1200" b="0" i="0" u="none" strike="noStrike" cap="none" normalizeH="0" baseline="0" dirty="0">
                 <a:ln>
                   <a:noFill/>
                 </a:ln>
@@ -22824,7 +23388,7 @@
               </a:rPr>
               <a:t>borja.html (mobil – börja nu)</a:t>
             </a:r>
-            <a:endParaRPr kumimoji="0" lang="sv-SE" sz="1400" b="1" i="0" u="none" strike="noStrike" cap="none" normalizeH="0" baseline="0" dirty="0" smtClean="0">
+            <a:endParaRPr kumimoji="0" lang="sv-SE" sz="1400" b="1" i="0" u="none" strike="noStrike" cap="none" normalizeH="0" baseline="0" dirty="0">
               <a:ln>
                 <a:noFill/>
               </a:ln>
@@ -22854,23 +23418,8 @@
               <a:buNone/>
               <a:tabLst/>
             </a:pPr>
-            <a:r>
-              <a:rPr kumimoji="0" lang="sv-SE" sz="1400" b="1" i="0" u="none" strike="noStrike" cap="none" normalizeH="0" baseline="0" dirty="0" smtClean="0">
-                <a:ln>
-                  <a:noFill/>
-                </a:ln>
-                <a:solidFill>
-                  <a:srgbClr val="5B9BD5"/>
-                </a:solidFill>
-                <a:effectLst/>
-                <a:latin typeface="Arial" pitchFamily="34" charset="0"/>
-                <a:ea typeface="Calibri" pitchFamily="34" charset="0"/>
-                <a:cs typeface="Arial" pitchFamily="34" charset="0"/>
-              </a:rPr>
-              <a:t/>
-            </a:r>
             <a:br>
-              <a:rPr kumimoji="0" lang="sv-SE" sz="1400" b="1" i="0" u="none" strike="noStrike" cap="none" normalizeH="0" baseline="0" dirty="0" smtClean="0">
+              <a:rPr kumimoji="0" lang="sv-SE" sz="1400" b="1" i="0" u="none" strike="noStrike" cap="none" normalizeH="0" baseline="0" dirty="0">
                 <a:ln>
                   <a:noFill/>
                 </a:ln>
@@ -22883,23 +23432,8 @@
                 <a:cs typeface="Arial" pitchFamily="34" charset="0"/>
               </a:rPr>
             </a:br>
-            <a:r>
-              <a:rPr kumimoji="0" lang="sv-SE" sz="1400" b="1" i="0" u="none" strike="noStrike" cap="none" normalizeH="0" baseline="0" dirty="0" smtClean="0">
-                <a:ln>
-                  <a:noFill/>
-                </a:ln>
-                <a:solidFill>
-                  <a:srgbClr val="5B9BD5"/>
-                </a:solidFill>
-                <a:effectLst/>
-                <a:latin typeface="Arial" pitchFamily="34" charset="0"/>
-                <a:ea typeface="Calibri" pitchFamily="34" charset="0"/>
-                <a:cs typeface="Arial" pitchFamily="34" charset="0"/>
-              </a:rPr>
-              <a:t/>
-            </a:r>
             <a:br>
-              <a:rPr kumimoji="0" lang="sv-SE" sz="1400" b="1" i="0" u="none" strike="noStrike" cap="none" normalizeH="0" baseline="0" dirty="0" smtClean="0">
+              <a:rPr kumimoji="0" lang="sv-SE" sz="1400" b="1" i="0" u="none" strike="noStrike" cap="none" normalizeH="0" baseline="0" dirty="0">
                 <a:ln>
                   <a:noFill/>
                 </a:ln>
@@ -22912,7 +23446,7 @@
                 <a:cs typeface="Arial" pitchFamily="34" charset="0"/>
               </a:rPr>
             </a:br>
-            <a:endParaRPr kumimoji="0" lang="sv-SE" sz="1800" b="0" i="0" u="none" strike="noStrike" cap="none" normalizeH="0" baseline="0" dirty="0" smtClean="0">
+            <a:endParaRPr kumimoji="0" lang="sv-SE" sz="1800" b="0" i="0" u="none" strike="noStrike" cap="none" normalizeH="0" baseline="0" dirty="0">
               <a:ln>
                 <a:noFill/>
               </a:ln>
@@ -22943,10 +23477,34 @@
             <a:tbl>
               <a:tblPr/>
               <a:tblGrid>
-                <a:gridCol w="1779270"/>
-                <a:gridCol w="1710055"/>
-                <a:gridCol w="1071245"/>
-                <a:gridCol w="684530"/>
+                <a:gridCol w="1779270">
+                  <a:extLst>
+                    <a:ext uri="{9D8B030D-6E8A-4147-A177-3AD203B41FA5}">
+                      <a16:colId xmlns:a16="http://schemas.microsoft.com/office/drawing/2014/main" val="20000"/>
+                    </a:ext>
+                  </a:extLst>
+                </a:gridCol>
+                <a:gridCol w="1710055">
+                  <a:extLst>
+                    <a:ext uri="{9D8B030D-6E8A-4147-A177-3AD203B41FA5}">
+                      <a16:colId xmlns:a16="http://schemas.microsoft.com/office/drawing/2014/main" val="20001"/>
+                    </a:ext>
+                  </a:extLst>
+                </a:gridCol>
+                <a:gridCol w="1071245">
+                  <a:extLst>
+                    <a:ext uri="{9D8B030D-6E8A-4147-A177-3AD203B41FA5}">
+                      <a16:colId xmlns:a16="http://schemas.microsoft.com/office/drawing/2014/main" val="20002"/>
+                    </a:ext>
+                  </a:extLst>
+                </a:gridCol>
+                <a:gridCol w="684530">
+                  <a:extLst>
+                    <a:ext uri="{9D8B030D-6E8A-4147-A177-3AD203B41FA5}">
+                      <a16:colId xmlns:a16="http://schemas.microsoft.com/office/drawing/2014/main" val="20003"/>
+                    </a:ext>
+                  </a:extLst>
+                </a:gridCol>
               </a:tblGrid>
               <a:tr h="0">
                 <a:tc>
@@ -23229,6 +23787,11 @@
                     </a:solidFill>
                   </a:tcPr>
                 </a:tc>
+                <a:extLst>
+                  <a:ext uri="{0D108BD9-81ED-4DB2-BD59-A6C34878D82A}">
+                    <a16:rowId xmlns:a16="http://schemas.microsoft.com/office/drawing/2014/main" val="10000"/>
+                  </a:ext>
+                </a:extLst>
               </a:tr>
               <a:tr h="0">
                 <a:tc>
@@ -23499,6 +24062,11 @@
                     </a:lnB>
                   </a:tcPr>
                 </a:tc>
+                <a:extLst>
+                  <a:ext uri="{0D108BD9-81ED-4DB2-BD59-A6C34878D82A}">
+                    <a16:rowId xmlns:a16="http://schemas.microsoft.com/office/drawing/2014/main" val="10001"/>
+                  </a:ext>
+                </a:extLst>
               </a:tr>
               <a:tr h="0">
                 <a:tc>
@@ -23769,6 +24337,11 @@
                     </a:lnB>
                   </a:tcPr>
                 </a:tc>
+                <a:extLst>
+                  <a:ext uri="{0D108BD9-81ED-4DB2-BD59-A6C34878D82A}">
+                    <a16:rowId xmlns:a16="http://schemas.microsoft.com/office/drawing/2014/main" val="10002"/>
+                  </a:ext>
+                </a:extLst>
               </a:tr>
               <a:tr h="0">
                 <a:tc>
@@ -24039,6 +24612,11 @@
                     </a:lnB>
                   </a:tcPr>
                 </a:tc>
+                <a:extLst>
+                  <a:ext uri="{0D108BD9-81ED-4DB2-BD59-A6C34878D82A}">
+                    <a16:rowId xmlns:a16="http://schemas.microsoft.com/office/drawing/2014/main" val="10003"/>
+                  </a:ext>
+                </a:extLst>
               </a:tr>
               <a:tr h="0">
                 <a:tc>
@@ -24309,6 +24887,11 @@
                     </a:lnB>
                   </a:tcPr>
                 </a:tc>
+                <a:extLst>
+                  <a:ext uri="{0D108BD9-81ED-4DB2-BD59-A6C34878D82A}">
+                    <a16:rowId xmlns:a16="http://schemas.microsoft.com/office/drawing/2014/main" val="10004"/>
+                  </a:ext>
+                </a:extLst>
               </a:tr>
               <a:tr h="0">
                 <a:tc>
@@ -24579,6 +25162,11 @@
                     </a:lnB>
                   </a:tcPr>
                 </a:tc>
+                <a:extLst>
+                  <a:ext uri="{0D108BD9-81ED-4DB2-BD59-A6C34878D82A}">
+                    <a16:rowId xmlns:a16="http://schemas.microsoft.com/office/drawing/2014/main" val="10005"/>
+                  </a:ext>
+                </a:extLst>
               </a:tr>
             </a:tbl>
           </a:graphicData>
@@ -24635,7 +25223,7 @@
               <a:tabLst/>
             </a:pPr>
             <a:r>
-              <a:rPr kumimoji="0" lang="sv-SE" sz="1200" b="0" i="0" u="none" strike="noStrike" cap="none" normalizeH="0" baseline="0" dirty="0" smtClean="0">
+              <a:rPr kumimoji="0" lang="sv-SE" sz="1200" b="0" i="0" u="none" strike="noStrike" cap="none" normalizeH="0" baseline="0" dirty="0">
                 <a:ln>
                   <a:noFill/>
                 </a:ln>
@@ -24649,7 +25237,7 @@
               </a:rPr>
               <a:t>hitta.html (mobil – hitta restaurang sida)</a:t>
             </a:r>
-            <a:endParaRPr kumimoji="0" lang="sv-SE" sz="1200" b="0" i="0" u="none" strike="noStrike" cap="none" normalizeH="0" baseline="0" dirty="0" smtClean="0">
+            <a:endParaRPr kumimoji="0" lang="sv-SE" sz="1200" b="0" i="0" u="none" strike="noStrike" cap="none" normalizeH="0" baseline="0" dirty="0">
               <a:ln>
                 <a:noFill/>
               </a:ln>
@@ -24679,23 +25267,8 @@
               <a:buNone/>
               <a:tabLst/>
             </a:pPr>
-            <a:r>
-              <a:rPr kumimoji="0" lang="sv-SE" sz="1200" b="0" i="0" u="none" strike="noStrike" cap="none" normalizeH="0" baseline="0" dirty="0" smtClean="0">
-                <a:ln>
-                  <a:noFill/>
-                </a:ln>
-                <a:solidFill>
-                  <a:schemeClr val="tx1"/>
-                </a:solidFill>
-                <a:effectLst/>
-                <a:latin typeface="Arial" pitchFamily="34" charset="0"/>
-                <a:ea typeface="Calibri" pitchFamily="34" charset="0"/>
-                <a:cs typeface="Arial" pitchFamily="34" charset="0"/>
-              </a:rPr>
-              <a:t/>
-            </a:r>
             <a:br>
-              <a:rPr kumimoji="0" lang="sv-SE" sz="1200" b="0" i="0" u="none" strike="noStrike" cap="none" normalizeH="0" baseline="0" dirty="0" smtClean="0">
+              <a:rPr kumimoji="0" lang="sv-SE" sz="1200" b="0" i="0" u="none" strike="noStrike" cap="none" normalizeH="0" baseline="0" dirty="0">
                 <a:ln>
                   <a:noFill/>
                 </a:ln>
@@ -24708,23 +25281,8 @@
                 <a:cs typeface="Arial" pitchFamily="34" charset="0"/>
               </a:rPr>
             </a:br>
-            <a:r>
-              <a:rPr kumimoji="0" lang="sv-SE" sz="1200" b="0" i="0" u="none" strike="noStrike" cap="none" normalizeH="0" baseline="0" dirty="0" smtClean="0">
-                <a:ln>
-                  <a:noFill/>
-                </a:ln>
-                <a:solidFill>
-                  <a:schemeClr val="tx1"/>
-                </a:solidFill>
-                <a:effectLst/>
-                <a:latin typeface="Arial" pitchFamily="34" charset="0"/>
-                <a:ea typeface="Calibri" pitchFamily="34" charset="0"/>
-                <a:cs typeface="Arial" pitchFamily="34" charset="0"/>
-              </a:rPr>
-              <a:t/>
-            </a:r>
             <a:br>
-              <a:rPr kumimoji="0" lang="sv-SE" sz="1200" b="0" i="0" u="none" strike="noStrike" cap="none" normalizeH="0" baseline="0" dirty="0" smtClean="0">
+              <a:rPr kumimoji="0" lang="sv-SE" sz="1200" b="0" i="0" u="none" strike="noStrike" cap="none" normalizeH="0" baseline="0" dirty="0">
                 <a:ln>
                   <a:noFill/>
                 </a:ln>
@@ -24737,7 +25295,7 @@
                 <a:cs typeface="Arial" pitchFamily="34" charset="0"/>
               </a:rPr>
             </a:br>
-            <a:endParaRPr kumimoji="0" lang="sv-SE" sz="1800" b="0" i="0" u="none" strike="noStrike" cap="none" normalizeH="0" baseline="0" dirty="0" smtClean="0">
+            <a:endParaRPr kumimoji="0" lang="sv-SE" sz="1800" b="0" i="0" u="none" strike="noStrike" cap="none" normalizeH="0" baseline="0" dirty="0">
               <a:ln>
                 <a:noFill/>
               </a:ln>
